--- a/UC_Course_Sesion3/UCDatabrick - Sesion 3.pptx
+++ b/UC_Course_Sesion3/UCDatabrick - Sesion 3.pptx
@@ -21129,145 +21129,50 @@
           </a:bodyPr>
           <a:lstStyle/>
           <a:p>
+            <a:pPr marL="457200" lvl="1" indent="0">
+              <a:buNone/>
+            </a:pPr>
+            <a:endParaRPr lang="es-ES" sz="1600" dirty="0">
+              <a:latin typeface="Montserrat" panose="00000500000000000000" pitchFamily="2" charset="0"/>
+            </a:endParaRPr>
+          </a:p>
+          <a:p>
+            <a:pPr marL="457200" lvl="1" indent="0">
+              <a:buNone/>
+            </a:pPr>
+            <a:endParaRPr lang="es-ES" sz="1600" dirty="0">
+              <a:latin typeface="Montserrat" panose="00000500000000000000" pitchFamily="2" charset="0"/>
+            </a:endParaRPr>
+          </a:p>
+          <a:p>
             <a:pPr marL="800100" lvl="1" indent="-342900">
               <a:buFont typeface="+mj-lt"/>
               <a:buAutoNum type="arabicPeriod"/>
             </a:pPr>
             <a:r>
-              <a:rPr lang="es-ES" sz="1400" dirty="0">
+              <a:rPr lang="es-ES" dirty="0">
                 <a:latin typeface="Montserrat" panose="00000500000000000000" pitchFamily="2" charset="0"/>
               </a:rPr>
-              <a:t>Presentación PowerPoint</a:t>
-            </a:r>
-          </a:p>
-          <a:p>
-            <a:pPr marL="1257300" lvl="2" indent="-342900">
-              <a:buFont typeface="+mj-lt"/>
-              <a:buAutoNum type="arabicPeriod"/>
-            </a:pPr>
-            <a:r>
-              <a:rPr lang="es-ES" sz="1400" dirty="0">
+              <a:t>Data </a:t>
+            </a:r>
+            <a:r>
+              <a:rPr lang="es-ES" dirty="0" err="1">
                 <a:latin typeface="Montserrat" panose="00000500000000000000" pitchFamily="2" charset="0"/>
               </a:rPr>
-              <a:t>Data </a:t>
-            </a:r>
-            <a:r>
-              <a:rPr lang="es-ES" sz="1400" dirty="0" err="1">
+              <a:t>Lineage</a:t>
+            </a:r>
+            <a:r>
+              <a:rPr lang="es-ES" dirty="0">
                 <a:latin typeface="Montserrat" panose="00000500000000000000" pitchFamily="2" charset="0"/>
               </a:rPr>
-              <a:t>Lineage</a:t>
-            </a:r>
-            <a:endParaRPr lang="es-ES" sz="1400" dirty="0">
-              <a:latin typeface="Montserrat" panose="00000500000000000000" pitchFamily="2" charset="0"/>
-            </a:endParaRPr>
-          </a:p>
-          <a:p>
-            <a:pPr marL="1257300" lvl="2" indent="-342900">
-              <a:buFont typeface="+mj-lt"/>
-              <a:buAutoNum type="arabicPeriod"/>
-            </a:pPr>
-            <a:r>
-              <a:rPr lang="es-ES" sz="1400" dirty="0">
+              <a:t> &amp; Visualizar Modelo Relacional</a:t>
+            </a:r>
+            <a:br>
+              <a:rPr lang="es-ES" dirty="0">
                 <a:latin typeface="Montserrat" panose="00000500000000000000" pitchFamily="2" charset="0"/>
               </a:rPr>
-              <a:t>Data </a:t>
-            </a:r>
-            <a:r>
-              <a:rPr lang="es-ES" sz="1400" dirty="0" err="1">
-                <a:latin typeface="Montserrat" panose="00000500000000000000" pitchFamily="2" charset="0"/>
-              </a:rPr>
-              <a:t>Sharing</a:t>
-            </a:r>
-            <a:r>
-              <a:rPr lang="es-ES" sz="1400" dirty="0">
-                <a:latin typeface="Montserrat" panose="00000500000000000000" pitchFamily="2" charset="0"/>
-              </a:rPr>
-              <a:t> and </a:t>
-            </a:r>
-            <a:r>
-              <a:rPr lang="es-ES" sz="1400" dirty="0" err="1">
-                <a:latin typeface="Montserrat" panose="00000500000000000000" pitchFamily="2" charset="0"/>
-              </a:rPr>
-              <a:t>Collaboration</a:t>
-            </a:r>
-            <a:endParaRPr lang="es-ES" sz="1400" dirty="0">
-              <a:latin typeface="Montserrat" panose="00000500000000000000" pitchFamily="2" charset="0"/>
-            </a:endParaRPr>
-          </a:p>
-          <a:p>
-            <a:pPr marL="1257300" lvl="2" indent="-342900">
-              <a:buFont typeface="+mj-lt"/>
-              <a:buAutoNum type="arabicPeriod"/>
-            </a:pPr>
-            <a:r>
-              <a:rPr lang="es-ES" sz="1400" dirty="0">
-                <a:latin typeface="Montserrat" panose="00000500000000000000" pitchFamily="2" charset="0"/>
-              </a:rPr>
-              <a:t>Data </a:t>
-            </a:r>
-            <a:r>
-              <a:rPr lang="es-ES" sz="1400" dirty="0" err="1">
-                <a:latin typeface="Montserrat" panose="00000500000000000000" pitchFamily="2" charset="0"/>
-              </a:rPr>
-              <a:t>Auditing</a:t>
-            </a:r>
-            <a:r>
-              <a:rPr lang="es-ES" sz="1400" dirty="0">
-                <a:latin typeface="Montserrat" panose="00000500000000000000" pitchFamily="2" charset="0"/>
-              </a:rPr>
-              <a:t>: Tablas de sistema</a:t>
-            </a:r>
-          </a:p>
-          <a:p>
-            <a:pPr marL="1257300" lvl="2" indent="-342900">
-              <a:buFont typeface="+mj-lt"/>
-              <a:buAutoNum type="arabicPeriod"/>
-            </a:pPr>
-            <a:r>
-              <a:rPr lang="es-ES" sz="1400" dirty="0">
-                <a:latin typeface="Montserrat" panose="00000500000000000000" pitchFamily="2" charset="0"/>
-              </a:rPr>
-              <a:t>Data </a:t>
-            </a:r>
-            <a:r>
-              <a:rPr lang="es-ES" sz="1400" dirty="0" err="1">
-                <a:latin typeface="Montserrat" panose="00000500000000000000" pitchFamily="2" charset="0"/>
-              </a:rPr>
-              <a:t>Quality</a:t>
-            </a:r>
-            <a:r>
-              <a:rPr lang="es-ES" sz="1400" dirty="0">
-                <a:latin typeface="Montserrat" panose="00000500000000000000" pitchFamily="2" charset="0"/>
-              </a:rPr>
-              <a:t> &amp; </a:t>
-            </a:r>
-            <a:r>
-              <a:rPr lang="es-ES" sz="1400" dirty="0" err="1">
-                <a:latin typeface="Montserrat" panose="00000500000000000000" pitchFamily="2" charset="0"/>
-              </a:rPr>
-              <a:t>Monitoring</a:t>
-            </a:r>
-            <a:endParaRPr lang="es-ES" sz="1400" dirty="0">
-              <a:latin typeface="Montserrat" panose="00000500000000000000" pitchFamily="2" charset="0"/>
-            </a:endParaRPr>
-          </a:p>
-          <a:p>
-            <a:pPr marL="1257300" lvl="2" indent="-342900">
-              <a:buFont typeface="+mj-lt"/>
-              <a:buAutoNum type="arabicPeriod"/>
-            </a:pPr>
-            <a:r>
-              <a:rPr lang="es-ES" sz="1400" dirty="0">
-                <a:latin typeface="Montserrat" panose="00000500000000000000" pitchFamily="2" charset="0"/>
-              </a:rPr>
-              <a:t>Uso de Genie</a:t>
-            </a:r>
-            <a:br>
-              <a:rPr lang="es-ES" sz="1400" dirty="0">
-                <a:latin typeface="Montserrat" panose="00000500000000000000" pitchFamily="2" charset="0"/>
-              </a:rPr>
             </a:br>
-            <a:endParaRPr lang="es-ES" sz="1400" dirty="0">
+            <a:endParaRPr lang="es-ES" dirty="0">
               <a:latin typeface="Montserrat" panose="00000500000000000000" pitchFamily="2" charset="0"/>
             </a:endParaRPr>
           </a:p>
@@ -21277,69 +21182,35 @@
               <a:buAutoNum type="arabicPeriod"/>
             </a:pPr>
             <a:r>
-              <a:rPr lang="es-ES" sz="1400" dirty="0">
+              <a:rPr lang="es-ES" dirty="0">
                 <a:latin typeface="Montserrat" panose="00000500000000000000" pitchFamily="2" charset="0"/>
               </a:rPr>
-              <a:t>Notebook en </a:t>
-            </a:r>
-            <a:r>
-              <a:rPr lang="es-ES" sz="1400" dirty="0" err="1">
+              <a:t>Data </a:t>
+            </a:r>
+            <a:r>
+              <a:rPr lang="es-ES" dirty="0" err="1">
                 <a:latin typeface="Montserrat" panose="00000500000000000000" pitchFamily="2" charset="0"/>
               </a:rPr>
-              <a:t>Databricks</a:t>
-            </a:r>
-            <a:r>
-              <a:rPr lang="es-ES" sz="1400" dirty="0">
+              <a:t>Sharing</a:t>
+            </a:r>
+            <a:r>
+              <a:rPr lang="es-ES" dirty="0">
                 <a:latin typeface="Montserrat" panose="00000500000000000000" pitchFamily="2" charset="0"/>
               </a:rPr>
-              <a:t>:</a:t>
-            </a:r>
-          </a:p>
-          <a:p>
-            <a:pPr marL="1257300" lvl="2" indent="-342900">
-              <a:buFont typeface="+mj-lt"/>
-              <a:buAutoNum type="arabicPeriod"/>
-            </a:pPr>
-            <a:r>
-              <a:rPr lang="es-ES" sz="1400" dirty="0" err="1">
+              <a:t> and </a:t>
+            </a:r>
+            <a:r>
+              <a:rPr lang="es-ES" dirty="0" err="1">
                 <a:latin typeface="Montserrat" panose="00000500000000000000" pitchFamily="2" charset="0"/>
               </a:rPr>
-              <a:t>Dashboard</a:t>
-            </a:r>
-            <a:r>
-              <a:rPr lang="es-ES" sz="1400" dirty="0">
+              <a:t>Collaboration</a:t>
+            </a:r>
+            <a:br>
+              <a:rPr lang="es-ES" dirty="0">
                 <a:latin typeface="Montserrat" panose="00000500000000000000" pitchFamily="2" charset="0"/>
               </a:rPr>
-              <a:t> de Costes</a:t>
-            </a:r>
-          </a:p>
-          <a:p>
-            <a:pPr marL="1257300" lvl="2" indent="-342900">
-              <a:buFont typeface="+mj-lt"/>
-              <a:buAutoNum type="arabicPeriod"/>
-            </a:pPr>
-            <a:r>
-              <a:rPr lang="es-ES" sz="1400" dirty="0">
-                <a:latin typeface="Montserrat" panose="00000500000000000000" pitchFamily="2" charset="0"/>
-              </a:rPr>
-              <a:t>Demo de Data </a:t>
-            </a:r>
-            <a:r>
-              <a:rPr lang="es-ES" sz="1400" dirty="0" err="1">
-                <a:latin typeface="Montserrat" panose="00000500000000000000" pitchFamily="2" charset="0"/>
-              </a:rPr>
-              <a:t>Quality</a:t>
-            </a:r>
-            <a:endParaRPr lang="es-ES" sz="1400" dirty="0">
-              <a:latin typeface="Montserrat" panose="00000500000000000000" pitchFamily="2" charset="0"/>
-            </a:endParaRPr>
-          </a:p>
-          <a:p>
-            <a:pPr marL="1257300" lvl="2" indent="-342900">
-              <a:buFont typeface="+mj-lt"/>
-              <a:buAutoNum type="arabicPeriod"/>
-            </a:pPr>
-            <a:endParaRPr lang="es-ES" sz="1400" dirty="0">
+            </a:br>
+            <a:endParaRPr lang="es-ES" dirty="0">
               <a:latin typeface="Montserrat" panose="00000500000000000000" pitchFamily="2" charset="0"/>
             </a:endParaRPr>
           </a:p>
@@ -21349,7 +21220,97 @@
               <a:buAutoNum type="arabicPeriod"/>
             </a:pPr>
             <a:r>
-              <a:rPr lang="es-ES" sz="1400" dirty="0">
+              <a:rPr lang="es-ES" dirty="0">
+                <a:latin typeface="Montserrat" panose="00000500000000000000" pitchFamily="2" charset="0"/>
+              </a:rPr>
+              <a:t>Data </a:t>
+            </a:r>
+            <a:r>
+              <a:rPr lang="es-ES" dirty="0" err="1">
+                <a:latin typeface="Montserrat" panose="00000500000000000000" pitchFamily="2" charset="0"/>
+              </a:rPr>
+              <a:t>Auditing</a:t>
+            </a:r>
+            <a:r>
+              <a:rPr lang="es-ES" dirty="0">
+                <a:latin typeface="Montserrat" panose="00000500000000000000" pitchFamily="2" charset="0"/>
+              </a:rPr>
+              <a:t>: Tablas de sistema</a:t>
+            </a:r>
+            <a:br>
+              <a:rPr lang="es-ES" dirty="0">
+                <a:latin typeface="Montserrat" panose="00000500000000000000" pitchFamily="2" charset="0"/>
+              </a:rPr>
+            </a:br>
+            <a:endParaRPr lang="es-ES" dirty="0">
+              <a:latin typeface="Montserrat" panose="00000500000000000000" pitchFamily="2" charset="0"/>
+            </a:endParaRPr>
+          </a:p>
+          <a:p>
+            <a:pPr marL="800100" lvl="1" indent="-342900">
+              <a:buFont typeface="+mj-lt"/>
+              <a:buAutoNum type="arabicPeriod"/>
+            </a:pPr>
+            <a:r>
+              <a:rPr lang="es-ES" dirty="0">
+                <a:latin typeface="Montserrat" panose="00000500000000000000" pitchFamily="2" charset="0"/>
+              </a:rPr>
+              <a:t>Data </a:t>
+            </a:r>
+            <a:r>
+              <a:rPr lang="es-ES" dirty="0" err="1">
+                <a:latin typeface="Montserrat" panose="00000500000000000000" pitchFamily="2" charset="0"/>
+              </a:rPr>
+              <a:t>Quality</a:t>
+            </a:r>
+            <a:r>
+              <a:rPr lang="es-ES" dirty="0">
+                <a:latin typeface="Montserrat" panose="00000500000000000000" pitchFamily="2" charset="0"/>
+              </a:rPr>
+              <a:t> &amp; </a:t>
+            </a:r>
+            <a:r>
+              <a:rPr lang="es-ES" dirty="0" err="1">
+                <a:latin typeface="Montserrat" panose="00000500000000000000" pitchFamily="2" charset="0"/>
+              </a:rPr>
+              <a:t>Monitoring</a:t>
+            </a:r>
+            <a:br>
+              <a:rPr lang="es-ES" dirty="0">
+                <a:latin typeface="Montserrat" panose="00000500000000000000" pitchFamily="2" charset="0"/>
+              </a:rPr>
+            </a:br>
+            <a:endParaRPr lang="es-ES" dirty="0">
+              <a:latin typeface="Montserrat" panose="00000500000000000000" pitchFamily="2" charset="0"/>
+            </a:endParaRPr>
+          </a:p>
+          <a:p>
+            <a:pPr marL="800100" lvl="1" indent="-342900">
+              <a:buFont typeface="+mj-lt"/>
+              <a:buAutoNum type="arabicPeriod"/>
+            </a:pPr>
+            <a:r>
+              <a:rPr lang="es-ES" dirty="0">
+                <a:latin typeface="Montserrat" panose="00000500000000000000" pitchFamily="2" charset="0"/>
+              </a:rPr>
+              <a:t>Uso de Genie</a:t>
+            </a:r>
+            <a:br>
+              <a:rPr lang="es-ES" dirty="0">
+                <a:latin typeface="Montserrat" panose="00000500000000000000" pitchFamily="2" charset="0"/>
+              </a:rPr>
+            </a:br>
+            <a:endParaRPr lang="es-ES" dirty="0">
+              <a:latin typeface="Montserrat" panose="00000500000000000000" pitchFamily="2" charset="0"/>
+            </a:endParaRPr>
+          </a:p>
+          <a:p>
+            <a:pPr marL="800100" lvl="1" indent="-342900">
+              <a:buFont typeface="+mj-lt"/>
+              <a:buAutoNum type="arabicPeriod"/>
+            </a:pPr>
+            <a:r>
+              <a:rPr lang="es-ES" sz="1600" dirty="0">
                 <a:latin typeface="Montserrat" panose="00000500000000000000" pitchFamily="2" charset="0"/>
               </a:rPr>
               <a:t>Quiz</a:t>
@@ -30903,6 +30864,15 @@
 </file>
 
 <file path=customXml/item1.xml><?xml version="1.0" encoding="utf-8"?>
+<?mso-contentType ?>
+<FormTemplates xmlns="http://schemas.microsoft.com/sharepoint/v3/contenttype/forms">
+  <Display>DocumentLibraryForm</Display>
+  <Edit>DocumentLibraryForm</Edit>
+  <New>DocumentLibraryForm</New>
+</FormTemplates>
+</file>
+
+<file path=customXml/item2.xml><?xml version="1.0" encoding="utf-8"?>
 <ct:contentTypeSchema xmlns:ct="http://schemas.microsoft.com/office/2006/metadata/contentType" xmlns:ma="http://schemas.microsoft.com/office/2006/metadata/properties/metaAttributes" ct:_="" ma:_="" ma:contentTypeName="Documento" ma:contentTypeID="0x010100D61D317CF2309C4E8DA448EE42D88B65" ma:contentTypeVersion="14" ma:contentTypeDescription="Crear nuevo documento." ma:contentTypeScope="" ma:versionID="499295a40b32042ffc1aa18e52107fb2">
   <xsd:schema xmlns:xsd="http://www.w3.org/2001/XMLSchema" xmlns:xs="http://www.w3.org/2001/XMLSchema" xmlns:p="http://schemas.microsoft.com/office/2006/metadata/properties" xmlns:ns2="e24c3f89-b1e2-4b5c-81e1-9b07710f5189" xmlns:ns3="ce845bb0-6f82-4cf9-8b02-3916bb6268df" targetNamespace="http://schemas.microsoft.com/office/2006/metadata/properties" ma:root="true" ma:fieldsID="cacbbaa88dffef174e809ab62d2fa790" ns2:_="" ns3:_="">
     <xsd:import namespace="e24c3f89-b1e2-4b5c-81e1-9b07710f5189"/>
@@ -31131,15 +31101,6 @@
 </ct:contentTypeSchema>
 </file>
 
-<file path=customXml/item2.xml><?xml version="1.0" encoding="utf-8"?>
-<?mso-contentType ?>
-<FormTemplates xmlns="http://schemas.microsoft.com/sharepoint/v3/contenttype/forms">
-  <Display>DocumentLibraryForm</Display>
-  <Edit>DocumentLibraryForm</Edit>
-  <New>DocumentLibraryForm</New>
-</FormTemplates>
-</file>
-
 <file path=customXml/item3.xml><?xml version="1.0" encoding="utf-8"?>
 <p:properties xmlns:p="http://schemas.microsoft.com/office/2006/metadata/properties" xmlns:xsi="http://www.w3.org/2001/XMLSchema-instance" xmlns:pc="http://schemas.microsoft.com/office/infopath/2007/PartnerControls">
   <documentManagement>
@@ -31152,6 +31113,14 @@
 </file>
 
 <file path=customXml/itemProps1.xml><?xml version="1.0" encoding="utf-8"?>
+<ds:datastoreItem xmlns:ds="http://schemas.openxmlformats.org/officeDocument/2006/customXml" ds:itemID="{6FDDB250-E753-47E4-8ED1-CAC7AD183E6C}">
+  <ds:schemaRefs>
+    <ds:schemaRef ds:uri="http://schemas.microsoft.com/sharepoint/v3/contenttype/forms"/>
+  </ds:schemaRefs>
+</ds:datastoreItem>
+</file>
+
+<file path=customXml/itemProps2.xml><?xml version="1.0" encoding="utf-8"?>
 <ds:datastoreItem xmlns:ds="http://schemas.openxmlformats.org/officeDocument/2006/customXml" ds:itemID="{D57BF0C9-4CDD-43A3-8A95-A49D62C2F2E1}">
   <ds:schemaRefs>
     <ds:schemaRef ds:uri="http://schemas.microsoft.com/office/2006/metadata/contentType"/>
@@ -31170,14 +31139,6 @@
 </ds:datastoreItem>
 </file>
 
-<file path=customXml/itemProps2.xml><?xml version="1.0" encoding="utf-8"?>
-<ds:datastoreItem xmlns:ds="http://schemas.openxmlformats.org/officeDocument/2006/customXml" ds:itemID="{6FDDB250-E753-47E4-8ED1-CAC7AD183E6C}">
-  <ds:schemaRefs>
-    <ds:schemaRef ds:uri="http://schemas.microsoft.com/sharepoint/v3/contenttype/forms"/>
-  </ds:schemaRefs>
-</ds:datastoreItem>
-</file>
-
 <file path=customXml/itemProps3.xml><?xml version="1.0" encoding="utf-8"?>
 <ds:datastoreItem xmlns:ds="http://schemas.openxmlformats.org/officeDocument/2006/customXml" ds:itemID="{4A79858A-5E67-489D-9BB4-CD604D981F2A}">
   <ds:schemaRefs>

--- a/UC_Course_Sesion3/UCDatabrick - Sesion 3.pptx
+++ b/UC_Course_Sesion3/UCDatabrick - Sesion 3.pptx
@@ -279,7 +279,7 @@
           <a:p>
             <a:fld id="{8B4B7E6F-32B6-4D71-B377-734A03E6F81B}" type="datetimeFigureOut">
               <a:rPr lang="es-ES" smtClean="0"/>
-              <a:t>02/11/2025</a:t>
+              <a:t>03/11/2025</a:t>
             </a:fld>
             <a:endParaRPr lang="es-ES"/>
           </a:p>
@@ -8305,7 +8305,7 @@
                 <a:lstStyle/>
                 <a:p>
                   <a:pPr algn="ctr"/>
-                  <a:endParaRPr lang="es-ES"/>
+                  <a:endParaRPr lang="es-ES" dirty="0"/>
                 </a:p>
               </p:txBody>
             </p:sp>
@@ -10021,126 +10021,6 @@
       </p:grpSpPr>
       <p:sp>
         <p:nvSpPr>
-          <p:cNvPr id="4" name="Marcador de contenido 3">
-            <a:extLst>
-              <a:ext uri="{FF2B5EF4-FFF2-40B4-BE49-F238E27FC236}">
-                <a16:creationId xmlns:a16="http://schemas.microsoft.com/office/drawing/2014/main" id="{7A6F791D-4DB7-7B01-D597-7CE2848FBABA}"/>
-              </a:ext>
-            </a:extLst>
-          </p:cNvPr>
-          <p:cNvSpPr>
-            <a:spLocks noGrp="1"/>
-          </p:cNvSpPr>
-          <p:nvPr>
-            <p:ph sz="half" idx="2"/>
-          </p:nvPr>
-        </p:nvSpPr>
-        <p:spPr/>
-        <p:txBody>
-          <a:bodyPr>
-            <a:normAutofit/>
-          </a:bodyPr>
-          <a:lstStyle/>
-          <a:p>
-            <a:r>
-              <a:rPr lang="es-ES" sz="1200" dirty="0"/>
-              <a:t>2 o mas organizaciones quieren colaborar en un proyecto de datos, pero quieren proteger datos sus datos sensibles</a:t>
-            </a:r>
-          </a:p>
-          <a:p>
-            <a:r>
-              <a:rPr lang="es-ES" sz="1200" dirty="0"/>
-              <a:t>Queremos hacer computación sobre estos datos que </a:t>
-            </a:r>
-            <a:r>
-              <a:rPr lang="es-ES" sz="1200" dirty="0" err="1"/>
-              <a:t>copartimos</a:t>
-            </a:r>
-            <a:endParaRPr lang="es-ES" sz="1200" dirty="0"/>
-          </a:p>
-          <a:p>
-            <a:r>
-              <a:rPr lang="es-ES" sz="1200" dirty="0"/>
-              <a:t>Cross </a:t>
-            </a:r>
-            <a:r>
-              <a:rPr lang="es-ES" sz="1200" dirty="0" err="1"/>
-              <a:t>platform</a:t>
-            </a:r>
-            <a:r>
-              <a:rPr lang="es-ES" sz="1200" dirty="0"/>
-              <a:t> -&gt; </a:t>
-            </a:r>
-            <a:r>
-              <a:rPr lang="es-ES" sz="1200" dirty="0" err="1"/>
-              <a:t>closs</a:t>
-            </a:r>
-            <a:r>
-              <a:rPr lang="es-ES" sz="1200" dirty="0"/>
-              <a:t> </a:t>
-            </a:r>
-            <a:r>
-              <a:rPr lang="es-ES" sz="1200" dirty="0" err="1"/>
-              <a:t>cloud</a:t>
-            </a:r>
-            <a:endParaRPr lang="es-ES" sz="1200" dirty="0"/>
-          </a:p>
-          <a:p>
-            <a:r>
-              <a:rPr lang="es-ES" sz="1200" dirty="0"/>
-              <a:t>Permite machine </a:t>
-            </a:r>
-            <a:r>
-              <a:rPr lang="es-ES" sz="1200" dirty="0" err="1"/>
-              <a:t>learning</a:t>
-            </a:r>
-            <a:r>
-              <a:rPr lang="es-ES" sz="1200" dirty="0"/>
-              <a:t>, </a:t>
-            </a:r>
-            <a:r>
-              <a:rPr lang="es-ES" sz="1200" dirty="0" err="1"/>
-              <a:t>python</a:t>
-            </a:r>
-            <a:endParaRPr lang="es-ES" sz="1200" dirty="0"/>
-          </a:p>
-          <a:p>
-            <a:endParaRPr lang="es-ES" sz="1200" dirty="0"/>
-          </a:p>
-        </p:txBody>
-      </p:sp>
-      <p:pic>
-        <p:nvPicPr>
-          <p:cNvPr id="5" name="Imagen 4">
-            <a:extLst>
-              <a:ext uri="{FF2B5EF4-FFF2-40B4-BE49-F238E27FC236}">
-                <a16:creationId xmlns:a16="http://schemas.microsoft.com/office/drawing/2014/main" id="{F92063E7-F323-8FFD-DC81-FFEF085CE237}"/>
-              </a:ext>
-            </a:extLst>
-          </p:cNvPr>
-          <p:cNvPicPr>
-            <a:picLocks noChangeAspect="1"/>
-          </p:cNvPicPr>
-          <p:nvPr/>
-        </p:nvPicPr>
-        <p:blipFill>
-          <a:blip r:embed="rId2"/>
-          <a:stretch>
-            <a:fillRect/>
-          </a:stretch>
-        </p:blipFill>
-        <p:spPr>
-          <a:xfrm>
-            <a:off x="899592" y="2564904"/>
-            <a:ext cx="4718407" cy="2320696"/>
-          </a:xfrm>
-          <a:prstGeom prst="rect">
-            <a:avLst/>
-          </a:prstGeom>
-        </p:spPr>
-      </p:pic>
-      <p:sp>
-        <p:nvSpPr>
           <p:cNvPr id="3" name="Google Shape;303;g35ee5cc475b_0_63">
             <a:extLst>
               <a:ext uri="{FF2B5EF4-FFF2-40B4-BE49-F238E27FC236}">
@@ -10157,7 +10037,7 @@
         </p:nvSpPr>
         <p:spPr>
           <a:xfrm>
-            <a:off x="628650" y="365125"/>
+            <a:off x="628650" y="237911"/>
             <a:ext cx="7886700" cy="543600"/>
           </a:xfrm>
           <a:prstGeom prst="rect">
@@ -10272,12 +10152,560 @@
           </a:p>
         </p:txBody>
       </p:sp>
+      <p:grpSp>
+        <p:nvGrpSpPr>
+          <p:cNvPr id="29" name="Grupo 28">
+            <a:extLst>
+              <a:ext uri="{FF2B5EF4-FFF2-40B4-BE49-F238E27FC236}">
+                <a16:creationId xmlns:a16="http://schemas.microsoft.com/office/drawing/2014/main" id="{DBC42B31-FF81-729B-D2BA-697DD9A2944E}"/>
+              </a:ext>
+            </a:extLst>
+          </p:cNvPr>
+          <p:cNvGrpSpPr/>
+          <p:nvPr/>
+        </p:nvGrpSpPr>
+        <p:grpSpPr>
+          <a:xfrm>
+            <a:off x="492743" y="1780837"/>
+            <a:ext cx="1695566" cy="1616127"/>
+            <a:chOff x="825863" y="1739080"/>
+            <a:chExt cx="1695566" cy="1616127"/>
+          </a:xfrm>
+        </p:grpSpPr>
+        <p:sp>
+          <p:nvSpPr>
+            <p:cNvPr id="23" name="Rectángulo 22">
+              <a:extLst>
+                <a:ext uri="{FF2B5EF4-FFF2-40B4-BE49-F238E27FC236}">
+                  <a16:creationId xmlns:a16="http://schemas.microsoft.com/office/drawing/2014/main" id="{40D4DD21-0C68-86F7-EC61-F33ECD0B5D15}"/>
+                </a:ext>
+              </a:extLst>
+            </p:cNvPr>
+            <p:cNvSpPr/>
+            <p:nvPr/>
+          </p:nvSpPr>
+          <p:spPr>
+            <a:xfrm>
+              <a:off x="825863" y="1739080"/>
+              <a:ext cx="1695566" cy="1616127"/>
+            </a:xfrm>
+            <a:prstGeom prst="rect">
+              <a:avLst/>
+            </a:prstGeom>
+            <a:solidFill>
+              <a:schemeClr val="bg1"/>
+            </a:solidFill>
+            <a:ln>
+              <a:solidFill>
+                <a:schemeClr val="bg1">
+                  <a:lumMod val="50000"/>
+                </a:schemeClr>
+              </a:solidFill>
+            </a:ln>
+          </p:spPr>
+          <p:style>
+            <a:lnRef idx="2">
+              <a:schemeClr val="accent1">
+                <a:shade val="15000"/>
+              </a:schemeClr>
+            </a:lnRef>
+            <a:fillRef idx="1">
+              <a:schemeClr val="accent1"/>
+            </a:fillRef>
+            <a:effectRef idx="0">
+              <a:schemeClr val="accent1"/>
+            </a:effectRef>
+            <a:fontRef idx="minor">
+              <a:schemeClr val="lt1"/>
+            </a:fontRef>
+          </p:style>
+          <p:txBody>
+            <a:bodyPr rtlCol="0" anchor="ctr"/>
+            <a:lstStyle/>
+            <a:p>
+              <a:pPr algn="ctr"/>
+              <a:endParaRPr lang="es-ES" dirty="0"/>
+            </a:p>
+          </p:txBody>
+        </p:sp>
+        <p:pic>
+          <p:nvPicPr>
+            <p:cNvPr id="20" name="Imagen 19" descr="Forma&#10;&#10;El contenido generado por IA puede ser incorrecto.">
+              <a:extLst>
+                <a:ext uri="{FF2B5EF4-FFF2-40B4-BE49-F238E27FC236}">
+                  <a16:creationId xmlns:a16="http://schemas.microsoft.com/office/drawing/2014/main" id="{DE89F786-31CB-A666-4D04-18D90EBCFFAB}"/>
+                </a:ext>
+              </a:extLst>
+            </p:cNvPr>
+            <p:cNvPicPr>
+              <a:picLocks noChangeAspect="1"/>
+            </p:cNvPicPr>
+            <p:nvPr/>
+          </p:nvPicPr>
+          <p:blipFill>
+            <a:blip r:embed="rId2">
+              <a:extLst>
+                <a:ext uri="{28A0092B-C50C-407E-A947-70E740481C1C}">
+                  <a14:useLocalDpi xmlns:a14="http://schemas.microsoft.com/office/drawing/2010/main" val="0"/>
+                </a:ext>
+              </a:extLst>
+            </a:blip>
+            <a:stretch>
+              <a:fillRect/>
+            </a:stretch>
+          </p:blipFill>
+          <p:spPr>
+            <a:xfrm>
+              <a:off x="1465382" y="2198937"/>
+              <a:ext cx="634921" cy="634921"/>
+            </a:xfrm>
+            <a:prstGeom prst="rect">
+              <a:avLst/>
+            </a:prstGeom>
+          </p:spPr>
+        </p:pic>
+        <p:sp>
+          <p:nvSpPr>
+            <p:cNvPr id="24" name="CuadroTexto 23">
+              <a:extLst>
+                <a:ext uri="{FF2B5EF4-FFF2-40B4-BE49-F238E27FC236}">
+                  <a16:creationId xmlns:a16="http://schemas.microsoft.com/office/drawing/2014/main" id="{98115738-FC14-E030-7A65-E4208CDECDB4}"/>
+                </a:ext>
+              </a:extLst>
+            </p:cNvPr>
+            <p:cNvSpPr txBox="1"/>
+            <p:nvPr/>
+          </p:nvSpPr>
+          <p:spPr>
+            <a:xfrm>
+              <a:off x="1115616" y="1772816"/>
+              <a:ext cx="1368152" cy="246221"/>
+            </a:xfrm>
+            <a:prstGeom prst="rect">
+              <a:avLst/>
+            </a:prstGeom>
+            <a:noFill/>
+          </p:spPr>
+          <p:txBody>
+            <a:bodyPr wrap="square" rtlCol="0">
+              <a:spAutoFit/>
+            </a:bodyPr>
+            <a:lstStyle/>
+            <a:p>
+              <a:r>
+                <a:rPr lang="es-ES" sz="1000" b="1" dirty="0" err="1">
+                  <a:latin typeface="Montserrat" panose="00000500000000000000" pitchFamily="2" charset="0"/>
+                  <a:cs typeface="Mongolian Baiti" panose="03000500000000000000" pitchFamily="66" charset="0"/>
+                </a:rPr>
+                <a:t>Collaborator</a:t>
+              </a:r>
+              <a:r>
+                <a:rPr lang="es-ES" sz="1000" b="1" dirty="0">
+                  <a:latin typeface="Montserrat" panose="00000500000000000000" pitchFamily="2" charset="0"/>
+                  <a:cs typeface="Mongolian Baiti" panose="03000500000000000000" pitchFamily="66" charset="0"/>
+                </a:rPr>
+                <a:t> 1</a:t>
+              </a:r>
+            </a:p>
+          </p:txBody>
+        </p:sp>
+        <p:grpSp>
+          <p:nvGrpSpPr>
+            <p:cNvPr id="25" name="Grupo 24">
+              <a:extLst>
+                <a:ext uri="{FF2B5EF4-FFF2-40B4-BE49-F238E27FC236}">
+                  <a16:creationId xmlns:a16="http://schemas.microsoft.com/office/drawing/2014/main" id="{BAEA572F-E1B8-B9DC-6A20-CC9AD5DE8BC4}"/>
+                </a:ext>
+              </a:extLst>
+            </p:cNvPr>
+            <p:cNvGrpSpPr/>
+            <p:nvPr/>
+          </p:nvGrpSpPr>
+          <p:grpSpPr>
+            <a:xfrm>
+              <a:off x="1415505" y="2613733"/>
+              <a:ext cx="258141" cy="192265"/>
+              <a:chOff x="3706417" y="3214370"/>
+              <a:chExt cx="1578768" cy="1422814"/>
+            </a:xfrm>
+            <a:solidFill>
+              <a:srgbClr val="F2F2F2"/>
+            </a:solidFill>
+          </p:grpSpPr>
+          <p:sp>
+            <p:nvSpPr>
+              <p:cNvPr id="26" name="Elipse 25">
+                <a:extLst>
+                  <a:ext uri="{FF2B5EF4-FFF2-40B4-BE49-F238E27FC236}">
+                    <a16:creationId xmlns:a16="http://schemas.microsoft.com/office/drawing/2014/main" id="{9BF1A4A2-2D72-7E77-D526-F85A148E5B67}"/>
+                  </a:ext>
+                </a:extLst>
+              </p:cNvPr>
+              <p:cNvSpPr/>
+              <p:nvPr/>
+            </p:nvSpPr>
+            <p:spPr>
+              <a:xfrm>
+                <a:off x="3706417" y="3214370"/>
+                <a:ext cx="1578768" cy="1422814"/>
+              </a:xfrm>
+              <a:prstGeom prst="ellipse">
+                <a:avLst/>
+              </a:prstGeom>
+              <a:grpFill/>
+              <a:ln>
+                <a:solidFill>
+                  <a:schemeClr val="tx1">
+                    <a:lumMod val="95000"/>
+                    <a:lumOff val="5000"/>
+                  </a:schemeClr>
+                </a:solidFill>
+              </a:ln>
+            </p:spPr>
+            <p:style>
+              <a:lnRef idx="2">
+                <a:schemeClr val="accent1">
+                  <a:shade val="15000"/>
+                </a:schemeClr>
+              </a:lnRef>
+              <a:fillRef idx="1">
+                <a:schemeClr val="accent1"/>
+              </a:fillRef>
+              <a:effectRef idx="0">
+                <a:schemeClr val="accent1"/>
+              </a:effectRef>
+              <a:fontRef idx="minor">
+                <a:schemeClr val="lt1"/>
+              </a:fontRef>
+            </p:style>
+            <p:txBody>
+              <a:bodyPr rtlCol="0" anchor="ctr"/>
+              <a:lstStyle/>
+              <a:p>
+                <a:pPr algn="ctr"/>
+                <a:endParaRPr lang="es-ES"/>
+              </a:p>
+            </p:txBody>
+          </p:sp>
+          <p:pic>
+            <p:nvPicPr>
+              <p:cNvPr id="27" name="Imagen 26" descr="Icono&#10;&#10;El contenido generado por IA puede ser incorrecto.">
+                <a:extLst>
+                  <a:ext uri="{FF2B5EF4-FFF2-40B4-BE49-F238E27FC236}">
+                    <a16:creationId xmlns:a16="http://schemas.microsoft.com/office/drawing/2014/main" id="{341B0C36-E2D5-ABAE-C98C-7A5D044BAA24}"/>
+                  </a:ext>
+                </a:extLst>
+              </p:cNvPr>
+              <p:cNvPicPr>
+                <a:picLocks noChangeAspect="1"/>
+              </p:cNvPicPr>
+              <p:nvPr/>
+            </p:nvPicPr>
+            <p:blipFill>
+              <a:blip r:embed="rId3" cstate="print">
+                <a:extLst>
+                  <a:ext uri="{28A0092B-C50C-407E-A947-70E740481C1C}">
+                    <a14:useLocalDpi xmlns:a14="http://schemas.microsoft.com/office/drawing/2010/main" val="0"/>
+                  </a:ext>
+                </a:extLst>
+              </a:blip>
+              <a:stretch>
+                <a:fillRect/>
+              </a:stretch>
+            </p:blipFill>
+            <p:spPr>
+              <a:xfrm>
+                <a:off x="4052777" y="3550535"/>
+                <a:ext cx="886048" cy="750483"/>
+              </a:xfrm>
+              <a:prstGeom prst="rect">
+                <a:avLst/>
+              </a:prstGeom>
+              <a:grpFill/>
+            </p:spPr>
+          </p:pic>
+        </p:grpSp>
+        <p:sp>
+          <p:nvSpPr>
+            <p:cNvPr id="28" name="CuadroTexto 27">
+              <a:extLst>
+                <a:ext uri="{FF2B5EF4-FFF2-40B4-BE49-F238E27FC236}">
+                  <a16:creationId xmlns:a16="http://schemas.microsoft.com/office/drawing/2014/main" id="{44F8794B-1BF6-B1CF-2347-813996F082C7}"/>
+                </a:ext>
+              </a:extLst>
+            </p:cNvPr>
+            <p:cNvSpPr txBox="1"/>
+            <p:nvPr/>
+          </p:nvSpPr>
+          <p:spPr>
+            <a:xfrm>
+              <a:off x="1025574" y="2908628"/>
+              <a:ext cx="1296144" cy="215444"/>
+            </a:xfrm>
+            <a:prstGeom prst="rect">
+              <a:avLst/>
+            </a:prstGeom>
+            <a:noFill/>
+          </p:spPr>
+          <p:txBody>
+            <a:bodyPr wrap="square" rtlCol="0">
+              <a:spAutoFit/>
+            </a:bodyPr>
+            <a:lstStyle/>
+            <a:p>
+              <a:pPr algn="ctr"/>
+              <a:r>
+                <a:rPr lang="es-ES" sz="800" dirty="0" err="1">
+                  <a:latin typeface="Montserrat" panose="00000500000000000000" pitchFamily="2" charset="0"/>
+                  <a:cs typeface="Mongolian Baiti" panose="03000500000000000000" pitchFamily="66" charset="0"/>
+                </a:rPr>
+                <a:t>Existing</a:t>
+              </a:r>
+              <a:r>
+                <a:rPr lang="es-ES" sz="800" dirty="0">
+                  <a:latin typeface="Montserrat" panose="00000500000000000000" pitchFamily="2" charset="0"/>
+                  <a:cs typeface="Mongolian Baiti" panose="03000500000000000000" pitchFamily="66" charset="0"/>
+                </a:rPr>
+                <a:t> Tables</a:t>
+              </a:r>
+            </a:p>
+          </p:txBody>
+        </p:sp>
+      </p:grpSp>
+      <p:grpSp>
+        <p:nvGrpSpPr>
+          <p:cNvPr id="67" name="Grupo 66">
+            <a:extLst>
+              <a:ext uri="{FF2B5EF4-FFF2-40B4-BE49-F238E27FC236}">
+                <a16:creationId xmlns:a16="http://schemas.microsoft.com/office/drawing/2014/main" id="{744830F2-A236-EEE7-3E08-F529054FEC55}"/>
+              </a:ext>
+            </a:extLst>
+          </p:cNvPr>
+          <p:cNvGrpSpPr/>
+          <p:nvPr/>
+        </p:nvGrpSpPr>
+        <p:grpSpPr>
+          <a:xfrm>
+            <a:off x="3330913" y="1295070"/>
+            <a:ext cx="2413313" cy="2292589"/>
+            <a:chOff x="3347864" y="1280427"/>
+            <a:chExt cx="2413313" cy="2292589"/>
+          </a:xfrm>
+        </p:grpSpPr>
+        <p:grpSp>
+          <p:nvGrpSpPr>
+            <p:cNvPr id="66" name="Grupo 65">
+              <a:extLst>
+                <a:ext uri="{FF2B5EF4-FFF2-40B4-BE49-F238E27FC236}">
+                  <a16:creationId xmlns:a16="http://schemas.microsoft.com/office/drawing/2014/main" id="{00A592B1-4165-9A7F-04A4-17F42DB633E5}"/>
+                </a:ext>
+              </a:extLst>
+            </p:cNvPr>
+            <p:cNvGrpSpPr/>
+            <p:nvPr/>
+          </p:nvGrpSpPr>
+          <p:grpSpPr>
+            <a:xfrm>
+              <a:off x="3347864" y="1280427"/>
+              <a:ext cx="2413313" cy="2292589"/>
+              <a:chOff x="3347864" y="1280427"/>
+              <a:chExt cx="2413313" cy="2292589"/>
+            </a:xfrm>
+          </p:grpSpPr>
+          <p:pic>
+            <p:nvPicPr>
+              <p:cNvPr id="14" name="Imagen 13" descr="Forma&#10;&#10;El contenido generado por IA puede ser incorrecto.">
+                <a:extLst>
+                  <a:ext uri="{FF2B5EF4-FFF2-40B4-BE49-F238E27FC236}">
+                    <a16:creationId xmlns:a16="http://schemas.microsoft.com/office/drawing/2014/main" id="{ADEE907C-E045-71E8-FA0C-E0AA72DBDBBE}"/>
+                  </a:ext>
+                </a:extLst>
+              </p:cNvPr>
+              <p:cNvPicPr>
+                <a:picLocks noChangeAspect="1"/>
+              </p:cNvPicPr>
+              <p:nvPr/>
+            </p:nvPicPr>
+            <p:blipFill>
+              <a:blip r:embed="rId4">
+                <a:extLst>
+                  <a:ext uri="{28A0092B-C50C-407E-A947-70E740481C1C}">
+                    <a14:useLocalDpi xmlns:a14="http://schemas.microsoft.com/office/drawing/2010/main" val="0"/>
+                  </a:ext>
+                </a:extLst>
+              </a:blip>
+              <a:stretch>
+                <a:fillRect/>
+              </a:stretch>
+            </p:blipFill>
+            <p:spPr>
+              <a:xfrm>
+                <a:off x="4137881" y="2011025"/>
+                <a:ext cx="839565" cy="839565"/>
+              </a:xfrm>
+              <a:prstGeom prst="rect">
+                <a:avLst/>
+              </a:prstGeom>
+            </p:spPr>
+          </p:pic>
+          <p:sp>
+            <p:nvSpPr>
+              <p:cNvPr id="38" name="Rectángulo 37">
+                <a:extLst>
+                  <a:ext uri="{FF2B5EF4-FFF2-40B4-BE49-F238E27FC236}">
+                    <a16:creationId xmlns:a16="http://schemas.microsoft.com/office/drawing/2014/main" id="{A8AD8DEA-E68B-E369-9906-69D83DD32406}"/>
+                  </a:ext>
+                </a:extLst>
+              </p:cNvPr>
+              <p:cNvSpPr/>
+              <p:nvPr/>
+            </p:nvSpPr>
+            <p:spPr>
+              <a:xfrm>
+                <a:off x="3347864" y="1556792"/>
+                <a:ext cx="2413313" cy="2016224"/>
+              </a:xfrm>
+              <a:prstGeom prst="rect">
+                <a:avLst/>
+              </a:prstGeom>
+              <a:noFill/>
+              <a:ln>
+                <a:solidFill>
+                  <a:schemeClr val="bg1">
+                    <a:lumMod val="50000"/>
+                  </a:schemeClr>
+                </a:solidFill>
+              </a:ln>
+            </p:spPr>
+            <p:style>
+              <a:lnRef idx="2">
+                <a:schemeClr val="accent1">
+                  <a:shade val="15000"/>
+                </a:schemeClr>
+              </a:lnRef>
+              <a:fillRef idx="1">
+                <a:schemeClr val="accent1"/>
+              </a:fillRef>
+              <a:effectRef idx="0">
+                <a:schemeClr val="accent1"/>
+              </a:effectRef>
+              <a:fontRef idx="minor">
+                <a:schemeClr val="lt1"/>
+              </a:fontRef>
+            </p:style>
+            <p:txBody>
+              <a:bodyPr rtlCol="0" anchor="ctr"/>
+              <a:lstStyle/>
+              <a:p>
+                <a:pPr algn="ctr"/>
+                <a:endParaRPr lang="es-ES"/>
+              </a:p>
+            </p:txBody>
+          </p:sp>
+          <p:sp>
+            <p:nvSpPr>
+              <p:cNvPr id="39" name="Rectángulo 38">
+                <a:extLst>
+                  <a:ext uri="{FF2B5EF4-FFF2-40B4-BE49-F238E27FC236}">
+                    <a16:creationId xmlns:a16="http://schemas.microsoft.com/office/drawing/2014/main" id="{772FBF33-AF87-92A6-48B2-8351F0672B4E}"/>
+                  </a:ext>
+                </a:extLst>
+              </p:cNvPr>
+              <p:cNvSpPr/>
+              <p:nvPr/>
+            </p:nvSpPr>
+            <p:spPr>
+              <a:xfrm>
+                <a:off x="3347864" y="1280427"/>
+                <a:ext cx="2413313" cy="276365"/>
+              </a:xfrm>
+              <a:prstGeom prst="rect">
+                <a:avLst/>
+              </a:prstGeom>
+              <a:solidFill>
+                <a:srgbClr val="003594"/>
+              </a:solidFill>
+              <a:ln>
+                <a:solidFill>
+                  <a:schemeClr val="bg1">
+                    <a:lumMod val="50000"/>
+                  </a:schemeClr>
+                </a:solidFill>
+              </a:ln>
+            </p:spPr>
+            <p:style>
+              <a:lnRef idx="2">
+                <a:schemeClr val="accent1">
+                  <a:shade val="15000"/>
+                </a:schemeClr>
+              </a:lnRef>
+              <a:fillRef idx="1">
+                <a:schemeClr val="accent1"/>
+              </a:fillRef>
+              <a:effectRef idx="0">
+                <a:schemeClr val="accent1"/>
+              </a:effectRef>
+              <a:fontRef idx="minor">
+                <a:schemeClr val="lt1"/>
+              </a:fontRef>
+            </p:style>
+            <p:txBody>
+              <a:bodyPr rtlCol="0" anchor="ctr"/>
+              <a:lstStyle/>
+              <a:p>
+                <a:pPr algn="ctr"/>
+                <a:endParaRPr lang="es-ES" sz="900" dirty="0">
+                  <a:latin typeface="Montserrat" panose="00000500000000000000" pitchFamily="2" charset="0"/>
+                </a:endParaRPr>
+              </a:p>
+            </p:txBody>
+          </p:sp>
+        </p:grpSp>
+        <p:sp>
+          <p:nvSpPr>
+            <p:cNvPr id="40" name="CuadroTexto 39">
+              <a:extLst>
+                <a:ext uri="{FF2B5EF4-FFF2-40B4-BE49-F238E27FC236}">
+                  <a16:creationId xmlns:a16="http://schemas.microsoft.com/office/drawing/2014/main" id="{D885C1FD-B96E-CE5D-29DD-7E695CA5CF3C}"/>
+                </a:ext>
+              </a:extLst>
+            </p:cNvPr>
+            <p:cNvSpPr txBox="1"/>
+            <p:nvPr/>
+          </p:nvSpPr>
+          <p:spPr>
+            <a:xfrm>
+              <a:off x="3553876" y="2944517"/>
+              <a:ext cx="2036248" cy="400110"/>
+            </a:xfrm>
+            <a:prstGeom prst="rect">
+              <a:avLst/>
+            </a:prstGeom>
+            <a:noFill/>
+          </p:spPr>
+          <p:txBody>
+            <a:bodyPr wrap="square" rtlCol="0">
+              <a:spAutoFit/>
+            </a:bodyPr>
+            <a:lstStyle/>
+            <a:p>
+              <a:pPr algn="ctr"/>
+              <a:r>
+                <a:rPr lang="es-ES" sz="1000" dirty="0">
+                  <a:latin typeface="Montserrat" panose="00000500000000000000" pitchFamily="2" charset="0"/>
+                </a:rPr>
+                <a:t>Aprueban mutuamente tareas sobre computo fiable</a:t>
+              </a:r>
+            </a:p>
+          </p:txBody>
+        </p:sp>
+      </p:grpSp>
       <p:sp>
         <p:nvSpPr>
-          <p:cNvPr id="6" name="Rectángulo 5">
+          <p:cNvPr id="78" name="Rectángulo: esquinas redondeadas 77">
             <a:extLst>
               <a:ext uri="{FF2B5EF4-FFF2-40B4-BE49-F238E27FC236}">
-                <a16:creationId xmlns:a16="http://schemas.microsoft.com/office/drawing/2014/main" id="{243F0307-816C-5C8D-ED84-F6544A8D3717}"/>
+                <a16:creationId xmlns:a16="http://schemas.microsoft.com/office/drawing/2014/main" id="{0F158B7C-47A0-D6C0-338A-AD3505259601}"/>
               </a:ext>
             </a:extLst>
           </p:cNvPr>
@@ -10285,16 +10713,21 @@
           <p:nvPr/>
         </p:nvSpPr>
         <p:spPr>
-          <a:xfrm rot="19823893">
-            <a:off x="588084" y="1391469"/>
-            <a:ext cx="1944216" cy="936104"/>
+          <a:xfrm>
+            <a:off x="323528" y="4500147"/>
+            <a:ext cx="2455384" cy="1269404"/>
           </a:xfrm>
-          <a:prstGeom prst="rect">
-            <a:avLst/>
+          <a:prstGeom prst="roundRect">
+            <a:avLst>
+              <a:gd name="adj" fmla="val 10980"/>
+            </a:avLst>
           </a:prstGeom>
           <a:solidFill>
-            <a:srgbClr val="FF0000"/>
+            <a:srgbClr val="8FAADC"/>
           </a:solidFill>
+          <a:ln>
+            <a:noFill/>
+          </a:ln>
         </p:spPr>
         <p:style>
           <a:lnRef idx="2">
@@ -10317,62 +10750,1645 @@
           <a:lstStyle/>
           <a:p>
             <a:pPr algn="ctr"/>
-            <a:r>
-              <a:rPr lang="es-ES" dirty="0"/>
-              <a:t>PENDIENTE</a:t>
-            </a:r>
+            <a:endParaRPr lang="es-ES"/>
+          </a:p>
+        </p:txBody>
+      </p:sp>
+      <p:grpSp>
+        <p:nvGrpSpPr>
+          <p:cNvPr id="41" name="Grupo 40">
+            <a:extLst>
+              <a:ext uri="{FF2B5EF4-FFF2-40B4-BE49-F238E27FC236}">
+                <a16:creationId xmlns:a16="http://schemas.microsoft.com/office/drawing/2014/main" id="{BCE12A2B-BD2B-780E-4390-9EDA9742BA3E}"/>
+              </a:ext>
+            </a:extLst>
+          </p:cNvPr>
+          <p:cNvGrpSpPr/>
+          <p:nvPr/>
+        </p:nvGrpSpPr>
+        <p:grpSpPr>
+          <a:xfrm>
+            <a:off x="323528" y="4500147"/>
+            <a:ext cx="2455384" cy="1278758"/>
+            <a:chOff x="825863" y="2100564"/>
+            <a:chExt cx="1695566" cy="1616127"/>
+          </a:xfrm>
+          <a:solidFill>
+            <a:srgbClr val="8FAADC"/>
+          </a:solidFill>
+        </p:grpSpPr>
+        <p:sp>
+          <p:nvSpPr>
+            <p:cNvPr id="42" name="Rectángulo 41" hidden="1">
+              <a:extLst>
+                <a:ext uri="{FF2B5EF4-FFF2-40B4-BE49-F238E27FC236}">
+                  <a16:creationId xmlns:a16="http://schemas.microsoft.com/office/drawing/2014/main" id="{1317716D-795B-E8B4-5DE2-785FE49DA29B}"/>
+                </a:ext>
+              </a:extLst>
+            </p:cNvPr>
+            <p:cNvSpPr/>
+            <p:nvPr/>
+          </p:nvSpPr>
+          <p:spPr>
+            <a:xfrm>
+              <a:off x="825863" y="2100564"/>
+              <a:ext cx="1695566" cy="1616127"/>
+            </a:xfrm>
+            <a:prstGeom prst="rect">
+              <a:avLst/>
+            </a:prstGeom>
+            <a:grpFill/>
+            <a:ln>
+              <a:noFill/>
+            </a:ln>
+          </p:spPr>
+          <p:style>
+            <a:lnRef idx="2">
+              <a:schemeClr val="accent1">
+                <a:shade val="15000"/>
+              </a:schemeClr>
+            </a:lnRef>
+            <a:fillRef idx="1">
+              <a:schemeClr val="accent1"/>
+            </a:fillRef>
+            <a:effectRef idx="0">
+              <a:schemeClr val="accent1"/>
+            </a:effectRef>
+            <a:fontRef idx="minor">
+              <a:schemeClr val="lt1"/>
+            </a:fontRef>
+          </p:style>
+          <p:txBody>
+            <a:bodyPr rtlCol="0" anchor="ctr"/>
+            <a:lstStyle/>
+            <a:p>
+              <a:pPr algn="ctr"/>
+              <a:endParaRPr lang="es-ES" dirty="0"/>
+            </a:p>
+          </p:txBody>
+        </p:sp>
+        <p:sp>
+          <p:nvSpPr>
+            <p:cNvPr id="46" name="CuadroTexto 45">
+              <a:extLst>
+                <a:ext uri="{FF2B5EF4-FFF2-40B4-BE49-F238E27FC236}">
+                  <a16:creationId xmlns:a16="http://schemas.microsoft.com/office/drawing/2014/main" id="{9779B4E1-DC1F-8B3D-4EBA-ADEA6D02EC49}"/>
+                </a:ext>
+              </a:extLst>
+            </p:cNvPr>
+            <p:cNvSpPr txBox="1"/>
+            <p:nvPr/>
+          </p:nvSpPr>
+          <p:spPr>
+            <a:xfrm>
+              <a:off x="988267" y="2240324"/>
+              <a:ext cx="1345307" cy="400110"/>
+            </a:xfrm>
+            <a:prstGeom prst="rect">
+              <a:avLst/>
+            </a:prstGeom>
+            <a:grpFill/>
+          </p:spPr>
+          <p:txBody>
+            <a:bodyPr wrap="square" rtlCol="0">
+              <a:spAutoFit/>
+            </a:bodyPr>
+            <a:lstStyle/>
+            <a:p>
+              <a:pPr algn="ctr"/>
+              <a:r>
+                <a:rPr lang="es-ES" sz="1000" b="1" dirty="0" err="1">
+                  <a:solidFill>
+                    <a:schemeClr val="bg1"/>
+                  </a:solidFill>
+                  <a:latin typeface="Montserrat" panose="00000500000000000000" pitchFamily="2" charset="0"/>
+                  <a:cs typeface="Mongolian Baiti" panose="03000500000000000000" pitchFamily="66" charset="0"/>
+                </a:rPr>
+                <a:t>Arbitrary</a:t>
+              </a:r>
+              <a:r>
+                <a:rPr lang="es-ES" sz="1000" b="1" dirty="0">
+                  <a:solidFill>
+                    <a:schemeClr val="bg1"/>
+                  </a:solidFill>
+                  <a:latin typeface="Montserrat" panose="00000500000000000000" pitchFamily="2" charset="0"/>
+                  <a:cs typeface="Mongolian Baiti" panose="03000500000000000000" pitchFamily="66" charset="0"/>
+                </a:rPr>
+                <a:t> </a:t>
+              </a:r>
+              <a:r>
+                <a:rPr lang="es-ES" sz="1000" b="1" dirty="0" err="1">
+                  <a:solidFill>
+                    <a:schemeClr val="bg1"/>
+                  </a:solidFill>
+                  <a:latin typeface="Montserrat" panose="00000500000000000000" pitchFamily="2" charset="0"/>
+                  <a:cs typeface="Mongolian Baiti" panose="03000500000000000000" pitchFamily="66" charset="0"/>
+                </a:rPr>
+                <a:t>Computation</a:t>
+              </a:r>
+              <a:endParaRPr lang="es-ES" sz="1000" b="1" dirty="0">
+                <a:solidFill>
+                  <a:schemeClr val="bg1"/>
+                </a:solidFill>
+                <a:latin typeface="Montserrat" panose="00000500000000000000" pitchFamily="2" charset="0"/>
+                <a:cs typeface="Mongolian Baiti" panose="03000500000000000000" pitchFamily="66" charset="0"/>
+              </a:endParaRPr>
+            </a:p>
+          </p:txBody>
+        </p:sp>
+      </p:grpSp>
+      <p:sp>
+        <p:nvSpPr>
+          <p:cNvPr id="49" name="CuadroTexto 48">
+            <a:extLst>
+              <a:ext uri="{FF2B5EF4-FFF2-40B4-BE49-F238E27FC236}">
+                <a16:creationId xmlns:a16="http://schemas.microsoft.com/office/drawing/2014/main" id="{6C976CEF-7FC7-3689-5C87-8AB22819E2DA}"/>
+              </a:ext>
+            </a:extLst>
+          </p:cNvPr>
+          <p:cNvSpPr txBox="1"/>
+          <p:nvPr/>
+        </p:nvSpPr>
+        <p:spPr>
+          <a:xfrm>
+            <a:off x="536390" y="5037903"/>
+            <a:ext cx="2098505" cy="338554"/>
+          </a:xfrm>
+          <a:prstGeom prst="rect">
+            <a:avLst/>
+          </a:prstGeom>
+          <a:noFill/>
+        </p:spPr>
+        <p:txBody>
+          <a:bodyPr wrap="square" rtlCol="0">
+            <a:spAutoFit/>
+          </a:bodyPr>
+          <a:lstStyle/>
+          <a:p>
+            <a:pPr algn="ctr"/>
+            <a:r>
+              <a:rPr lang="es-ES" sz="800" dirty="0">
+                <a:solidFill>
+                  <a:schemeClr val="bg1"/>
+                </a:solidFill>
+                <a:latin typeface="Montserrat" panose="00000500000000000000" pitchFamily="2" charset="0"/>
+                <a:cs typeface="Mongolian Baiti" panose="03000500000000000000" pitchFamily="66" charset="0"/>
+              </a:rPr>
+              <a:t>Puede correr cualquier computación en Python, SQL, R Java, </a:t>
+            </a:r>
+            <a:r>
+              <a:rPr lang="es-ES" sz="800" dirty="0" err="1">
+                <a:solidFill>
+                  <a:schemeClr val="bg1"/>
+                </a:solidFill>
+                <a:latin typeface="Montserrat" panose="00000500000000000000" pitchFamily="2" charset="0"/>
+                <a:cs typeface="Mongolian Baiti" panose="03000500000000000000" pitchFamily="66" charset="0"/>
+              </a:rPr>
+              <a:t>etc</a:t>
+            </a:r>
+            <a:endParaRPr lang="es-ES" sz="800" dirty="0">
+              <a:solidFill>
+                <a:schemeClr val="bg1"/>
+              </a:solidFill>
+              <a:latin typeface="Montserrat" panose="00000500000000000000" pitchFamily="2" charset="0"/>
+              <a:cs typeface="Mongolian Baiti" panose="03000500000000000000" pitchFamily="66" charset="0"/>
+            </a:endParaRPr>
           </a:p>
         </p:txBody>
       </p:sp>
       <p:sp>
         <p:nvSpPr>
-          <p:cNvPr id="2" name="Marcador de contenido 2">
+          <p:cNvPr id="79" name="Rectángulo: esquinas redondeadas 78">
             <a:extLst>
               <a:ext uri="{FF2B5EF4-FFF2-40B4-BE49-F238E27FC236}">
-                <a16:creationId xmlns:a16="http://schemas.microsoft.com/office/drawing/2014/main" id="{3B06E090-95C6-8DA9-02AA-388E79E05D4B}"/>
+                <a16:creationId xmlns:a16="http://schemas.microsoft.com/office/drawing/2014/main" id="{30364413-DD10-5E15-C974-63D074079B90}"/>
               </a:ext>
             </a:extLst>
           </p:cNvPr>
-          <p:cNvSpPr>
-            <a:spLocks noGrp="1"/>
-          </p:cNvSpPr>
-          <p:nvPr>
-            <p:ph sz="half" idx="1"/>
-          </p:nvPr>
+          <p:cNvSpPr/>
+          <p:nvPr/>
         </p:nvSpPr>
         <p:spPr>
           <a:xfrm>
-            <a:off x="5130741" y="4456296"/>
-            <a:ext cx="3867150" cy="1368152"/>
+            <a:off x="3349607" y="4500147"/>
+            <a:ext cx="2455384" cy="1269404"/>
           </a:xfrm>
+          <a:prstGeom prst="roundRect">
+            <a:avLst>
+              <a:gd name="adj" fmla="val 10980"/>
+            </a:avLst>
+          </a:prstGeom>
+          <a:solidFill>
+            <a:srgbClr val="8FAADC"/>
+          </a:solidFill>
+          <a:ln>
+            <a:noFill/>
+          </a:ln>
+        </p:spPr>
+        <p:style>
+          <a:lnRef idx="2">
+            <a:schemeClr val="accent1">
+              <a:shade val="15000"/>
+            </a:schemeClr>
+          </a:lnRef>
+          <a:fillRef idx="1">
+            <a:schemeClr val="accent1"/>
+          </a:fillRef>
+          <a:effectRef idx="0">
+            <a:schemeClr val="accent1"/>
+          </a:effectRef>
+          <a:fontRef idx="minor">
+            <a:schemeClr val="lt1"/>
+          </a:fontRef>
+        </p:style>
+        <p:txBody>
+          <a:bodyPr rtlCol="0" anchor="ctr"/>
+          <a:lstStyle/>
+          <a:p>
+            <a:pPr algn="ctr"/>
+            <a:endParaRPr lang="es-ES"/>
+          </a:p>
+        </p:txBody>
+      </p:sp>
+      <p:grpSp>
+        <p:nvGrpSpPr>
+          <p:cNvPr id="50" name="Grupo 49">
+            <a:extLst>
+              <a:ext uri="{FF2B5EF4-FFF2-40B4-BE49-F238E27FC236}">
+                <a16:creationId xmlns:a16="http://schemas.microsoft.com/office/drawing/2014/main" id="{6D666E61-67AA-FE41-088E-8A6AD61E7CB9}"/>
+              </a:ext>
+            </a:extLst>
+          </p:cNvPr>
+          <p:cNvGrpSpPr/>
+          <p:nvPr/>
+        </p:nvGrpSpPr>
+        <p:grpSpPr>
+          <a:xfrm>
+            <a:off x="3349607" y="4500147"/>
+            <a:ext cx="2455384" cy="1278758"/>
+            <a:chOff x="825863" y="2100564"/>
+            <a:chExt cx="1695566" cy="1616127"/>
+          </a:xfrm>
+          <a:solidFill>
+            <a:srgbClr val="8FAADC"/>
+          </a:solidFill>
+        </p:grpSpPr>
+        <p:sp>
+          <p:nvSpPr>
+            <p:cNvPr id="51" name="Rectángulo 50" hidden="1">
+              <a:extLst>
+                <a:ext uri="{FF2B5EF4-FFF2-40B4-BE49-F238E27FC236}">
+                  <a16:creationId xmlns:a16="http://schemas.microsoft.com/office/drawing/2014/main" id="{4060CE78-AF5A-CF3D-42F1-6840A4EC2868}"/>
+                </a:ext>
+              </a:extLst>
+            </p:cNvPr>
+            <p:cNvSpPr/>
+            <p:nvPr/>
+          </p:nvSpPr>
+          <p:spPr>
+            <a:xfrm>
+              <a:off x="825863" y="2100564"/>
+              <a:ext cx="1695566" cy="1616127"/>
+            </a:xfrm>
+            <a:prstGeom prst="rect">
+              <a:avLst/>
+            </a:prstGeom>
+            <a:grpFill/>
+            <a:ln>
+              <a:noFill/>
+            </a:ln>
+          </p:spPr>
+          <p:style>
+            <a:lnRef idx="2">
+              <a:schemeClr val="accent1">
+                <a:shade val="15000"/>
+              </a:schemeClr>
+            </a:lnRef>
+            <a:fillRef idx="1">
+              <a:schemeClr val="accent1"/>
+            </a:fillRef>
+            <a:effectRef idx="0">
+              <a:schemeClr val="accent1"/>
+            </a:effectRef>
+            <a:fontRef idx="minor">
+              <a:schemeClr val="lt1"/>
+            </a:fontRef>
+          </p:style>
+          <p:txBody>
+            <a:bodyPr rtlCol="0" anchor="ctr"/>
+            <a:lstStyle/>
+            <a:p>
+              <a:pPr algn="ctr"/>
+              <a:endParaRPr lang="es-ES" dirty="0"/>
+            </a:p>
+          </p:txBody>
+        </p:sp>
+        <p:sp>
+          <p:nvSpPr>
+            <p:cNvPr id="52" name="CuadroTexto 51">
+              <a:extLst>
+                <a:ext uri="{FF2B5EF4-FFF2-40B4-BE49-F238E27FC236}">
+                  <a16:creationId xmlns:a16="http://schemas.microsoft.com/office/drawing/2014/main" id="{E33A59A9-CD14-5EA3-C63A-CCCB748C974B}"/>
+                </a:ext>
+              </a:extLst>
+            </p:cNvPr>
+            <p:cNvSpPr txBox="1"/>
+            <p:nvPr/>
+          </p:nvSpPr>
+          <p:spPr>
+            <a:xfrm>
+              <a:off x="988267" y="2240324"/>
+              <a:ext cx="1345307" cy="311180"/>
+            </a:xfrm>
+            <a:prstGeom prst="rect">
+              <a:avLst/>
+            </a:prstGeom>
+            <a:grpFill/>
+          </p:spPr>
+          <p:txBody>
+            <a:bodyPr wrap="square" rtlCol="0">
+              <a:spAutoFit/>
+            </a:bodyPr>
+            <a:lstStyle/>
+            <a:p>
+              <a:pPr algn="ctr"/>
+              <a:r>
+                <a:rPr lang="es-ES" sz="1000" b="1" dirty="0">
+                  <a:solidFill>
+                    <a:schemeClr val="bg1"/>
+                  </a:solidFill>
+                  <a:latin typeface="Montserrat" panose="00000500000000000000" pitchFamily="2" charset="0"/>
+                  <a:cs typeface="Mongolian Baiti" panose="03000500000000000000" pitchFamily="66" charset="0"/>
+                </a:rPr>
+                <a:t>No data </a:t>
+              </a:r>
+              <a:r>
+                <a:rPr lang="es-ES" sz="1000" b="1" dirty="0" err="1">
+                  <a:solidFill>
+                    <a:schemeClr val="bg1"/>
+                  </a:solidFill>
+                  <a:latin typeface="Montserrat" panose="00000500000000000000" pitchFamily="2" charset="0"/>
+                  <a:cs typeface="Mongolian Baiti" panose="03000500000000000000" pitchFamily="66" charset="0"/>
+                </a:rPr>
+                <a:t>replication</a:t>
+              </a:r>
+              <a:endParaRPr lang="es-ES" sz="1000" b="1" dirty="0">
+                <a:solidFill>
+                  <a:schemeClr val="bg1"/>
+                </a:solidFill>
+                <a:latin typeface="Montserrat" panose="00000500000000000000" pitchFamily="2" charset="0"/>
+                <a:cs typeface="Mongolian Baiti" panose="03000500000000000000" pitchFamily="66" charset="0"/>
+              </a:endParaRPr>
+            </a:p>
+          </p:txBody>
+        </p:sp>
+      </p:grpSp>
+      <p:sp>
+        <p:nvSpPr>
+          <p:cNvPr id="53" name="CuadroTexto 52">
+            <a:extLst>
+              <a:ext uri="{FF2B5EF4-FFF2-40B4-BE49-F238E27FC236}">
+                <a16:creationId xmlns:a16="http://schemas.microsoft.com/office/drawing/2014/main" id="{E82B43D6-B9C8-1D08-C1FC-09BD257813D9}"/>
+              </a:ext>
+            </a:extLst>
+          </p:cNvPr>
+          <p:cNvSpPr txBox="1"/>
+          <p:nvPr/>
+        </p:nvSpPr>
+        <p:spPr>
+          <a:xfrm>
+            <a:off x="3562469" y="5037903"/>
+            <a:ext cx="2098505" cy="461665"/>
+          </a:xfrm>
+          <a:prstGeom prst="rect">
+            <a:avLst/>
+          </a:prstGeom>
+          <a:noFill/>
         </p:spPr>
         <p:txBody>
-          <a:bodyPr/>
+          <a:bodyPr wrap="square" rtlCol="0">
+            <a:spAutoFit/>
+          </a:bodyPr>
           <a:lstStyle/>
           <a:p>
-            <a:r>
-              <a:rPr lang="es-ES" dirty="0"/>
-              <a:t>Voy a estructurar esto e igual pongo un video de </a:t>
-            </a:r>
-            <a:r>
-              <a:rPr lang="es-ES" dirty="0" err="1"/>
-              <a:t>youtube</a:t>
-            </a:r>
-            <a:r>
-              <a:rPr lang="es-ES" dirty="0"/>
-              <a:t> rápido de 2 </a:t>
-            </a:r>
-            <a:r>
-              <a:rPr lang="es-ES" dirty="0" err="1"/>
-              <a:t>mins</a:t>
-            </a:r>
-            <a:r>
-              <a:rPr lang="es-ES" dirty="0"/>
-              <a:t> de como se hace</a:t>
+            <a:pPr algn="ctr"/>
+            <a:r>
+              <a:rPr lang="es-ES" sz="800" dirty="0">
+                <a:solidFill>
+                  <a:schemeClr val="bg1"/>
+                </a:solidFill>
+                <a:latin typeface="Montserrat" panose="00000500000000000000" pitchFamily="2" charset="0"/>
+                <a:cs typeface="Mongolian Baiti" panose="03000500000000000000" pitchFamily="66" charset="0"/>
+              </a:rPr>
+              <a:t>Delta </a:t>
+            </a:r>
+            <a:r>
+              <a:rPr lang="es-ES" sz="800" dirty="0" err="1">
+                <a:solidFill>
+                  <a:schemeClr val="bg1"/>
+                </a:solidFill>
+                <a:latin typeface="Montserrat" panose="00000500000000000000" pitchFamily="2" charset="0"/>
+                <a:cs typeface="Mongolian Baiti" panose="03000500000000000000" pitchFamily="66" charset="0"/>
+              </a:rPr>
+              <a:t>Sharing</a:t>
+            </a:r>
+            <a:r>
+              <a:rPr lang="es-ES" sz="800" dirty="0">
+                <a:solidFill>
+                  <a:schemeClr val="bg1"/>
+                </a:solidFill>
+                <a:latin typeface="Montserrat" panose="00000500000000000000" pitchFamily="2" charset="0"/>
+                <a:cs typeface="Mongolian Baiti" panose="03000500000000000000" pitchFamily="66" charset="0"/>
+              </a:rPr>
+              <a:t> proporciona capacidades </a:t>
+            </a:r>
+            <a:r>
+              <a:rPr lang="es-ES" sz="800" dirty="0" err="1">
+                <a:solidFill>
+                  <a:schemeClr val="bg1"/>
+                </a:solidFill>
+                <a:latin typeface="Montserrat" panose="00000500000000000000" pitchFamily="2" charset="0"/>
+                <a:cs typeface="Mongolian Baiti" panose="03000500000000000000" pitchFamily="66" charset="0"/>
+              </a:rPr>
+              <a:t>cross</a:t>
+            </a:r>
+            <a:r>
+              <a:rPr lang="es-ES" sz="800" dirty="0">
+                <a:solidFill>
+                  <a:schemeClr val="bg1"/>
+                </a:solidFill>
+                <a:latin typeface="Montserrat" panose="00000500000000000000" pitchFamily="2" charset="0"/>
+                <a:cs typeface="Mongolian Baiti" panose="03000500000000000000" pitchFamily="66" charset="0"/>
+              </a:rPr>
+              <a:t>-región o </a:t>
+            </a:r>
+            <a:r>
+              <a:rPr lang="es-ES" sz="800" dirty="0" err="1">
+                <a:solidFill>
+                  <a:schemeClr val="bg1"/>
+                </a:solidFill>
+                <a:latin typeface="Montserrat" panose="00000500000000000000" pitchFamily="2" charset="0"/>
+                <a:cs typeface="Mongolian Baiti" panose="03000500000000000000" pitchFamily="66" charset="0"/>
+              </a:rPr>
+              <a:t>cross-cloud</a:t>
+            </a:r>
+            <a:r>
+              <a:rPr lang="es-ES" sz="800" dirty="0">
+                <a:solidFill>
+                  <a:schemeClr val="bg1"/>
+                </a:solidFill>
+                <a:latin typeface="Montserrat" panose="00000500000000000000" pitchFamily="2" charset="0"/>
+                <a:cs typeface="Mongolian Baiti" panose="03000500000000000000" pitchFamily="66" charset="0"/>
+              </a:rPr>
+              <a:t> sin replicar datos</a:t>
             </a:r>
           </a:p>
         </p:txBody>
       </p:sp>
+      <p:sp>
+        <p:nvSpPr>
+          <p:cNvPr id="80" name="Rectángulo: esquinas redondeadas 79">
+            <a:extLst>
+              <a:ext uri="{FF2B5EF4-FFF2-40B4-BE49-F238E27FC236}">
+                <a16:creationId xmlns:a16="http://schemas.microsoft.com/office/drawing/2014/main" id="{2F10AB66-E02A-015B-163D-A886FB0ADE01}"/>
+              </a:ext>
+            </a:extLst>
+          </p:cNvPr>
+          <p:cNvSpPr/>
+          <p:nvPr/>
+        </p:nvSpPr>
+        <p:spPr>
+          <a:xfrm>
+            <a:off x="6376352" y="4510064"/>
+            <a:ext cx="2455384" cy="1269404"/>
+          </a:xfrm>
+          <a:prstGeom prst="roundRect">
+            <a:avLst>
+              <a:gd name="adj" fmla="val 10980"/>
+            </a:avLst>
+          </a:prstGeom>
+          <a:solidFill>
+            <a:srgbClr val="8FAADC"/>
+          </a:solidFill>
+          <a:ln>
+            <a:noFill/>
+          </a:ln>
+        </p:spPr>
+        <p:style>
+          <a:lnRef idx="2">
+            <a:schemeClr val="accent1">
+              <a:shade val="15000"/>
+            </a:schemeClr>
+          </a:lnRef>
+          <a:fillRef idx="1">
+            <a:schemeClr val="accent1"/>
+          </a:fillRef>
+          <a:effectRef idx="0">
+            <a:schemeClr val="accent1"/>
+          </a:effectRef>
+          <a:fontRef idx="minor">
+            <a:schemeClr val="lt1"/>
+          </a:fontRef>
+        </p:style>
+        <p:txBody>
+          <a:bodyPr rtlCol="0" anchor="ctr"/>
+          <a:lstStyle/>
+          <a:p>
+            <a:pPr algn="ctr"/>
+            <a:endParaRPr lang="es-ES"/>
+          </a:p>
+        </p:txBody>
+      </p:sp>
+      <p:grpSp>
+        <p:nvGrpSpPr>
+          <p:cNvPr id="54" name="Grupo 53">
+            <a:extLst>
+              <a:ext uri="{FF2B5EF4-FFF2-40B4-BE49-F238E27FC236}">
+                <a16:creationId xmlns:a16="http://schemas.microsoft.com/office/drawing/2014/main" id="{8EC4AD71-DDA7-2485-5692-F5A1A2721466}"/>
+              </a:ext>
+            </a:extLst>
+          </p:cNvPr>
+          <p:cNvGrpSpPr/>
+          <p:nvPr/>
+        </p:nvGrpSpPr>
+        <p:grpSpPr>
+          <a:xfrm>
+            <a:off x="6365088" y="4500710"/>
+            <a:ext cx="2455384" cy="1278758"/>
+            <a:chOff x="825863" y="2100564"/>
+            <a:chExt cx="1695566" cy="1616127"/>
+          </a:xfrm>
+          <a:solidFill>
+            <a:srgbClr val="8FAADC"/>
+          </a:solidFill>
+        </p:grpSpPr>
+        <p:sp>
+          <p:nvSpPr>
+            <p:cNvPr id="55" name="Rectángulo 54" hidden="1">
+              <a:extLst>
+                <a:ext uri="{FF2B5EF4-FFF2-40B4-BE49-F238E27FC236}">
+                  <a16:creationId xmlns:a16="http://schemas.microsoft.com/office/drawing/2014/main" id="{D6081A6C-4ECE-E2C9-7EA6-135C642CD6EC}"/>
+                </a:ext>
+              </a:extLst>
+            </p:cNvPr>
+            <p:cNvSpPr/>
+            <p:nvPr/>
+          </p:nvSpPr>
+          <p:spPr>
+            <a:xfrm>
+              <a:off x="825863" y="2100564"/>
+              <a:ext cx="1695566" cy="1616127"/>
+            </a:xfrm>
+            <a:prstGeom prst="rect">
+              <a:avLst/>
+            </a:prstGeom>
+            <a:grpFill/>
+            <a:ln>
+              <a:noFill/>
+            </a:ln>
+          </p:spPr>
+          <p:style>
+            <a:lnRef idx="2">
+              <a:schemeClr val="accent1">
+                <a:shade val="15000"/>
+              </a:schemeClr>
+            </a:lnRef>
+            <a:fillRef idx="1">
+              <a:schemeClr val="accent1"/>
+            </a:fillRef>
+            <a:effectRef idx="0">
+              <a:schemeClr val="accent1"/>
+            </a:effectRef>
+            <a:fontRef idx="minor">
+              <a:schemeClr val="lt1"/>
+            </a:fontRef>
+          </p:style>
+          <p:txBody>
+            <a:bodyPr rtlCol="0" anchor="ctr"/>
+            <a:lstStyle/>
+            <a:p>
+              <a:pPr algn="ctr"/>
+              <a:endParaRPr lang="es-ES" dirty="0"/>
+            </a:p>
+          </p:txBody>
+        </p:sp>
+        <p:sp>
+          <p:nvSpPr>
+            <p:cNvPr id="56" name="CuadroTexto 55">
+              <a:extLst>
+                <a:ext uri="{FF2B5EF4-FFF2-40B4-BE49-F238E27FC236}">
+                  <a16:creationId xmlns:a16="http://schemas.microsoft.com/office/drawing/2014/main" id="{231C3D94-712A-3D51-564F-4D34E6DD72AE}"/>
+                </a:ext>
+              </a:extLst>
+            </p:cNvPr>
+            <p:cNvSpPr txBox="1"/>
+            <p:nvPr/>
+          </p:nvSpPr>
+          <p:spPr>
+            <a:xfrm>
+              <a:off x="988267" y="2240324"/>
+              <a:ext cx="1345307" cy="505669"/>
+            </a:xfrm>
+            <a:prstGeom prst="rect">
+              <a:avLst/>
+            </a:prstGeom>
+            <a:grpFill/>
+          </p:spPr>
+          <p:txBody>
+            <a:bodyPr wrap="square" rtlCol="0">
+              <a:spAutoFit/>
+            </a:bodyPr>
+            <a:lstStyle/>
+            <a:p>
+              <a:pPr algn="ctr"/>
+              <a:r>
+                <a:rPr lang="es-ES" sz="1000" b="1" dirty="0">
+                  <a:solidFill>
+                    <a:schemeClr val="bg1"/>
+                  </a:solidFill>
+                  <a:latin typeface="Montserrat" panose="00000500000000000000" pitchFamily="2" charset="0"/>
+                  <a:cs typeface="Mongolian Baiti" panose="03000500000000000000" pitchFamily="66" charset="0"/>
+                </a:rPr>
+                <a:t>Escalable cuando lo necesites</a:t>
+              </a:r>
+            </a:p>
+          </p:txBody>
+        </p:sp>
+      </p:grpSp>
+      <p:sp>
+        <p:nvSpPr>
+          <p:cNvPr id="57" name="CuadroTexto 56">
+            <a:extLst>
+              <a:ext uri="{FF2B5EF4-FFF2-40B4-BE49-F238E27FC236}">
+                <a16:creationId xmlns:a16="http://schemas.microsoft.com/office/drawing/2014/main" id="{F69DD44B-A519-DBC8-42F8-A44445956369}"/>
+              </a:ext>
+            </a:extLst>
+          </p:cNvPr>
+          <p:cNvSpPr txBox="1"/>
+          <p:nvPr/>
+        </p:nvSpPr>
+        <p:spPr>
+          <a:xfrm>
+            <a:off x="6577950" y="5038466"/>
+            <a:ext cx="2098505" cy="461665"/>
+          </a:xfrm>
+          <a:prstGeom prst="rect">
+            <a:avLst/>
+          </a:prstGeom>
+          <a:noFill/>
+        </p:spPr>
+        <p:txBody>
+          <a:bodyPr wrap="square" rtlCol="0">
+            <a:spAutoFit/>
+          </a:bodyPr>
+          <a:lstStyle/>
+          <a:p>
+            <a:pPr algn="ctr"/>
+            <a:r>
+              <a:rPr lang="es-ES" sz="800" dirty="0" err="1">
+                <a:solidFill>
+                  <a:schemeClr val="bg1"/>
+                </a:solidFill>
+                <a:latin typeface="Montserrat" panose="00000500000000000000" pitchFamily="2" charset="0"/>
+                <a:cs typeface="Mongolian Baiti" panose="03000500000000000000" pitchFamily="66" charset="0"/>
+              </a:rPr>
+              <a:t>Facilmente</a:t>
+            </a:r>
+            <a:r>
+              <a:rPr lang="es-ES" sz="800" dirty="0">
+                <a:solidFill>
+                  <a:schemeClr val="bg1"/>
+                </a:solidFill>
+                <a:latin typeface="Montserrat" panose="00000500000000000000" pitchFamily="2" charset="0"/>
+                <a:cs typeface="Mongolian Baiti" panose="03000500000000000000" pitchFamily="66" charset="0"/>
+              </a:rPr>
+              <a:t> escalable para múltiplos colaboradores en datos de cualquier tamaño</a:t>
+            </a:r>
+          </a:p>
+        </p:txBody>
+      </p:sp>
+      <p:grpSp>
+        <p:nvGrpSpPr>
+          <p:cNvPr id="58" name="Grupo 57">
+            <a:extLst>
+              <a:ext uri="{FF2B5EF4-FFF2-40B4-BE49-F238E27FC236}">
+                <a16:creationId xmlns:a16="http://schemas.microsoft.com/office/drawing/2014/main" id="{E0ACCCC0-5049-C3B9-8655-3242C8736A78}"/>
+              </a:ext>
+            </a:extLst>
+          </p:cNvPr>
+          <p:cNvGrpSpPr/>
+          <p:nvPr/>
+        </p:nvGrpSpPr>
+        <p:grpSpPr>
+          <a:xfrm>
+            <a:off x="6957769" y="1780837"/>
+            <a:ext cx="1695566" cy="1616127"/>
+            <a:chOff x="825863" y="1739080"/>
+            <a:chExt cx="1695566" cy="1616127"/>
+          </a:xfrm>
+        </p:grpSpPr>
+        <p:sp>
+          <p:nvSpPr>
+            <p:cNvPr id="59" name="Rectángulo 58">
+              <a:extLst>
+                <a:ext uri="{FF2B5EF4-FFF2-40B4-BE49-F238E27FC236}">
+                  <a16:creationId xmlns:a16="http://schemas.microsoft.com/office/drawing/2014/main" id="{9AF52E2E-16A1-DCB6-86D0-720A60C5594C}"/>
+                </a:ext>
+              </a:extLst>
+            </p:cNvPr>
+            <p:cNvSpPr/>
+            <p:nvPr/>
+          </p:nvSpPr>
+          <p:spPr>
+            <a:xfrm>
+              <a:off x="825863" y="1739080"/>
+              <a:ext cx="1695566" cy="1616127"/>
+            </a:xfrm>
+            <a:prstGeom prst="rect">
+              <a:avLst/>
+            </a:prstGeom>
+            <a:solidFill>
+              <a:schemeClr val="bg1"/>
+            </a:solidFill>
+            <a:ln>
+              <a:solidFill>
+                <a:schemeClr val="bg1">
+                  <a:lumMod val="50000"/>
+                </a:schemeClr>
+              </a:solidFill>
+            </a:ln>
+          </p:spPr>
+          <p:style>
+            <a:lnRef idx="2">
+              <a:schemeClr val="accent1">
+                <a:shade val="15000"/>
+              </a:schemeClr>
+            </a:lnRef>
+            <a:fillRef idx="1">
+              <a:schemeClr val="accent1"/>
+            </a:fillRef>
+            <a:effectRef idx="0">
+              <a:schemeClr val="accent1"/>
+            </a:effectRef>
+            <a:fontRef idx="minor">
+              <a:schemeClr val="lt1"/>
+            </a:fontRef>
+          </p:style>
+          <p:txBody>
+            <a:bodyPr rtlCol="0" anchor="ctr"/>
+            <a:lstStyle/>
+            <a:p>
+              <a:pPr algn="ctr"/>
+              <a:endParaRPr lang="es-ES" dirty="0"/>
+            </a:p>
+          </p:txBody>
+        </p:sp>
+        <p:pic>
+          <p:nvPicPr>
+            <p:cNvPr id="60" name="Imagen 59" descr="Forma&#10;&#10;El contenido generado por IA puede ser incorrecto.">
+              <a:extLst>
+                <a:ext uri="{FF2B5EF4-FFF2-40B4-BE49-F238E27FC236}">
+                  <a16:creationId xmlns:a16="http://schemas.microsoft.com/office/drawing/2014/main" id="{297DA65E-54D7-83A0-0E67-4A590B27D18A}"/>
+                </a:ext>
+              </a:extLst>
+            </p:cNvPr>
+            <p:cNvPicPr>
+              <a:picLocks noChangeAspect="1"/>
+            </p:cNvPicPr>
+            <p:nvPr/>
+          </p:nvPicPr>
+          <p:blipFill>
+            <a:blip r:embed="rId2">
+              <a:extLst>
+                <a:ext uri="{28A0092B-C50C-407E-A947-70E740481C1C}">
+                  <a14:useLocalDpi xmlns:a14="http://schemas.microsoft.com/office/drawing/2010/main" val="0"/>
+                </a:ext>
+              </a:extLst>
+            </a:blip>
+            <a:stretch>
+              <a:fillRect/>
+            </a:stretch>
+          </p:blipFill>
+          <p:spPr>
+            <a:xfrm>
+              <a:off x="1465382" y="2198937"/>
+              <a:ext cx="634921" cy="634921"/>
+            </a:xfrm>
+            <a:prstGeom prst="rect">
+              <a:avLst/>
+            </a:prstGeom>
+          </p:spPr>
+        </p:pic>
+        <p:sp>
+          <p:nvSpPr>
+            <p:cNvPr id="61" name="CuadroTexto 60">
+              <a:extLst>
+                <a:ext uri="{FF2B5EF4-FFF2-40B4-BE49-F238E27FC236}">
+                  <a16:creationId xmlns:a16="http://schemas.microsoft.com/office/drawing/2014/main" id="{18D8F6EF-5C08-ED83-2EA1-36CC0A85F319}"/>
+                </a:ext>
+              </a:extLst>
+            </p:cNvPr>
+            <p:cNvSpPr txBox="1"/>
+            <p:nvPr/>
+          </p:nvSpPr>
+          <p:spPr>
+            <a:xfrm>
+              <a:off x="1115616" y="1772816"/>
+              <a:ext cx="1368152" cy="246221"/>
+            </a:xfrm>
+            <a:prstGeom prst="rect">
+              <a:avLst/>
+            </a:prstGeom>
+            <a:noFill/>
+          </p:spPr>
+          <p:txBody>
+            <a:bodyPr wrap="square" rtlCol="0">
+              <a:spAutoFit/>
+            </a:bodyPr>
+            <a:lstStyle/>
+            <a:p>
+              <a:r>
+                <a:rPr lang="es-ES" sz="1000" b="1" dirty="0" err="1">
+                  <a:latin typeface="Montserrat" panose="00000500000000000000" pitchFamily="2" charset="0"/>
+                  <a:cs typeface="Mongolian Baiti" panose="03000500000000000000" pitchFamily="66" charset="0"/>
+                </a:rPr>
+                <a:t>Collaborator</a:t>
+              </a:r>
+              <a:r>
+                <a:rPr lang="es-ES" sz="1000" b="1" dirty="0">
+                  <a:latin typeface="Montserrat" panose="00000500000000000000" pitchFamily="2" charset="0"/>
+                  <a:cs typeface="Mongolian Baiti" panose="03000500000000000000" pitchFamily="66" charset="0"/>
+                </a:rPr>
+                <a:t> N</a:t>
+              </a:r>
+            </a:p>
+          </p:txBody>
+        </p:sp>
+        <p:grpSp>
+          <p:nvGrpSpPr>
+            <p:cNvPr id="62" name="Grupo 61">
+              <a:extLst>
+                <a:ext uri="{FF2B5EF4-FFF2-40B4-BE49-F238E27FC236}">
+                  <a16:creationId xmlns:a16="http://schemas.microsoft.com/office/drawing/2014/main" id="{05838EC4-9DCF-B9B2-0E4E-FEDECDD92B24}"/>
+                </a:ext>
+              </a:extLst>
+            </p:cNvPr>
+            <p:cNvGrpSpPr/>
+            <p:nvPr/>
+          </p:nvGrpSpPr>
+          <p:grpSpPr>
+            <a:xfrm>
+              <a:off x="1415505" y="2613733"/>
+              <a:ext cx="258141" cy="192265"/>
+              <a:chOff x="3706417" y="3214370"/>
+              <a:chExt cx="1578768" cy="1422814"/>
+            </a:xfrm>
+            <a:solidFill>
+              <a:srgbClr val="F2F2F2"/>
+            </a:solidFill>
+          </p:grpSpPr>
+          <p:sp>
+            <p:nvSpPr>
+              <p:cNvPr id="64" name="Elipse 63">
+                <a:extLst>
+                  <a:ext uri="{FF2B5EF4-FFF2-40B4-BE49-F238E27FC236}">
+                    <a16:creationId xmlns:a16="http://schemas.microsoft.com/office/drawing/2014/main" id="{3B5841DB-D58A-05CD-2DD0-2F8DA3395CC6}"/>
+                  </a:ext>
+                </a:extLst>
+              </p:cNvPr>
+              <p:cNvSpPr/>
+              <p:nvPr/>
+            </p:nvSpPr>
+            <p:spPr>
+              <a:xfrm>
+                <a:off x="3706417" y="3214370"/>
+                <a:ext cx="1578768" cy="1422814"/>
+              </a:xfrm>
+              <a:prstGeom prst="ellipse">
+                <a:avLst/>
+              </a:prstGeom>
+              <a:grpFill/>
+              <a:ln>
+                <a:solidFill>
+                  <a:schemeClr val="tx1">
+                    <a:lumMod val="95000"/>
+                    <a:lumOff val="5000"/>
+                  </a:schemeClr>
+                </a:solidFill>
+              </a:ln>
+            </p:spPr>
+            <p:style>
+              <a:lnRef idx="2">
+                <a:schemeClr val="accent1">
+                  <a:shade val="15000"/>
+                </a:schemeClr>
+              </a:lnRef>
+              <a:fillRef idx="1">
+                <a:schemeClr val="accent1"/>
+              </a:fillRef>
+              <a:effectRef idx="0">
+                <a:schemeClr val="accent1"/>
+              </a:effectRef>
+              <a:fontRef idx="minor">
+                <a:schemeClr val="lt1"/>
+              </a:fontRef>
+            </p:style>
+            <p:txBody>
+              <a:bodyPr rtlCol="0" anchor="ctr"/>
+              <a:lstStyle/>
+              <a:p>
+                <a:pPr algn="ctr"/>
+                <a:endParaRPr lang="es-ES"/>
+              </a:p>
+            </p:txBody>
+          </p:sp>
+          <p:pic>
+            <p:nvPicPr>
+              <p:cNvPr id="65" name="Imagen 64" descr="Icono&#10;&#10;El contenido generado por IA puede ser incorrecto.">
+                <a:extLst>
+                  <a:ext uri="{FF2B5EF4-FFF2-40B4-BE49-F238E27FC236}">
+                    <a16:creationId xmlns:a16="http://schemas.microsoft.com/office/drawing/2014/main" id="{B5D0197A-4E80-06F7-6DE9-AC8F35998CCD}"/>
+                  </a:ext>
+                </a:extLst>
+              </p:cNvPr>
+              <p:cNvPicPr>
+                <a:picLocks noChangeAspect="1"/>
+              </p:cNvPicPr>
+              <p:nvPr/>
+            </p:nvPicPr>
+            <p:blipFill>
+              <a:blip r:embed="rId3" cstate="print">
+                <a:extLst>
+                  <a:ext uri="{28A0092B-C50C-407E-A947-70E740481C1C}">
+                    <a14:useLocalDpi xmlns:a14="http://schemas.microsoft.com/office/drawing/2010/main" val="0"/>
+                  </a:ext>
+                </a:extLst>
+              </a:blip>
+              <a:stretch>
+                <a:fillRect/>
+              </a:stretch>
+            </p:blipFill>
+            <p:spPr>
+              <a:xfrm>
+                <a:off x="4052777" y="3550535"/>
+                <a:ext cx="886048" cy="750483"/>
+              </a:xfrm>
+              <a:prstGeom prst="rect">
+                <a:avLst/>
+              </a:prstGeom>
+              <a:grpFill/>
+            </p:spPr>
+          </p:pic>
+        </p:grpSp>
+        <p:sp>
+          <p:nvSpPr>
+            <p:cNvPr id="63" name="CuadroTexto 62">
+              <a:extLst>
+                <a:ext uri="{FF2B5EF4-FFF2-40B4-BE49-F238E27FC236}">
+                  <a16:creationId xmlns:a16="http://schemas.microsoft.com/office/drawing/2014/main" id="{D3AAA915-EA07-39DF-F90C-23BC1743917B}"/>
+                </a:ext>
+              </a:extLst>
+            </p:cNvPr>
+            <p:cNvSpPr txBox="1"/>
+            <p:nvPr/>
+          </p:nvSpPr>
+          <p:spPr>
+            <a:xfrm>
+              <a:off x="1025574" y="2908628"/>
+              <a:ext cx="1296144" cy="215444"/>
+            </a:xfrm>
+            <a:prstGeom prst="rect">
+              <a:avLst/>
+            </a:prstGeom>
+            <a:noFill/>
+          </p:spPr>
+          <p:txBody>
+            <a:bodyPr wrap="square" rtlCol="0">
+              <a:spAutoFit/>
+            </a:bodyPr>
+            <a:lstStyle/>
+            <a:p>
+              <a:pPr algn="ctr"/>
+              <a:r>
+                <a:rPr lang="es-ES" sz="800" dirty="0" err="1">
+                  <a:latin typeface="Montserrat" panose="00000500000000000000" pitchFamily="2" charset="0"/>
+                  <a:cs typeface="Mongolian Baiti" panose="03000500000000000000" pitchFamily="66" charset="0"/>
+                </a:rPr>
+                <a:t>Existing</a:t>
+              </a:r>
+              <a:r>
+                <a:rPr lang="es-ES" sz="800" dirty="0">
+                  <a:latin typeface="Montserrat" panose="00000500000000000000" pitchFamily="2" charset="0"/>
+                  <a:cs typeface="Mongolian Baiti" panose="03000500000000000000" pitchFamily="66" charset="0"/>
+                </a:rPr>
+                <a:t> Tables</a:t>
+              </a:r>
+            </a:p>
+          </p:txBody>
+        </p:sp>
+      </p:grpSp>
+      <p:cxnSp>
+        <p:nvCxnSpPr>
+          <p:cNvPr id="69" name="Conector recto de flecha 68">
+            <a:extLst>
+              <a:ext uri="{FF2B5EF4-FFF2-40B4-BE49-F238E27FC236}">
+                <a16:creationId xmlns:a16="http://schemas.microsoft.com/office/drawing/2014/main" id="{C36017FC-3332-775D-A62E-DEED1AF96AFB}"/>
+              </a:ext>
+            </a:extLst>
+          </p:cNvPr>
+          <p:cNvCxnSpPr>
+            <a:cxnSpLocks/>
+            <a:stCxn id="23" idx="3"/>
+            <a:endCxn id="38" idx="1"/>
+          </p:cNvCxnSpPr>
+          <p:nvPr/>
+        </p:nvCxnSpPr>
+        <p:spPr>
+          <a:xfrm flipV="1">
+            <a:off x="2188309" y="2579547"/>
+            <a:ext cx="1142604" cy="9354"/>
+          </a:xfrm>
+          <a:prstGeom prst="straightConnector1">
+            <a:avLst/>
+          </a:prstGeom>
+          <a:ln>
+            <a:solidFill>
+              <a:schemeClr val="tx1">
+                <a:lumMod val="65000"/>
+                <a:lumOff val="35000"/>
+              </a:schemeClr>
+            </a:solidFill>
+            <a:prstDash val="lgDashDotDot"/>
+            <a:tailEnd type="triangle"/>
+          </a:ln>
+        </p:spPr>
+        <p:style>
+          <a:lnRef idx="1">
+            <a:schemeClr val="accent1"/>
+          </a:lnRef>
+          <a:fillRef idx="0">
+            <a:schemeClr val="accent1"/>
+          </a:fillRef>
+          <a:effectRef idx="0">
+            <a:schemeClr val="accent1"/>
+          </a:effectRef>
+          <a:fontRef idx="minor">
+            <a:schemeClr val="tx1"/>
+          </a:fontRef>
+        </p:style>
+      </p:cxnSp>
+      <p:cxnSp>
+        <p:nvCxnSpPr>
+          <p:cNvPr id="71" name="Conector recto de flecha 70">
+            <a:extLst>
+              <a:ext uri="{FF2B5EF4-FFF2-40B4-BE49-F238E27FC236}">
+                <a16:creationId xmlns:a16="http://schemas.microsoft.com/office/drawing/2014/main" id="{20901EBF-1965-D9C8-6EA7-1CDF3291D435}"/>
+              </a:ext>
+            </a:extLst>
+          </p:cNvPr>
+          <p:cNvCxnSpPr>
+            <a:cxnSpLocks/>
+            <a:stCxn id="59" idx="1"/>
+            <a:endCxn id="38" idx="3"/>
+          </p:cNvCxnSpPr>
+          <p:nvPr/>
+        </p:nvCxnSpPr>
+        <p:spPr>
+          <a:xfrm flipH="1" flipV="1">
+            <a:off x="5744226" y="2579547"/>
+            <a:ext cx="1213543" cy="9354"/>
+          </a:xfrm>
+          <a:prstGeom prst="straightConnector1">
+            <a:avLst/>
+          </a:prstGeom>
+          <a:ln>
+            <a:solidFill>
+              <a:schemeClr val="tx1">
+                <a:lumMod val="65000"/>
+                <a:lumOff val="35000"/>
+              </a:schemeClr>
+            </a:solidFill>
+            <a:prstDash val="lgDashDotDot"/>
+            <a:tailEnd type="triangle"/>
+          </a:ln>
+        </p:spPr>
+        <p:style>
+          <a:lnRef idx="1">
+            <a:schemeClr val="accent1"/>
+          </a:lnRef>
+          <a:fillRef idx="0">
+            <a:schemeClr val="accent1"/>
+          </a:fillRef>
+          <a:effectRef idx="0">
+            <a:schemeClr val="accent1"/>
+          </a:effectRef>
+          <a:fontRef idx="minor">
+            <a:schemeClr val="tx1"/>
+          </a:fontRef>
+        </p:style>
+      </p:cxnSp>
+      <p:pic>
+        <p:nvPicPr>
+          <p:cNvPr id="74" name="Imagen 73" descr="Icono&#10;&#10;El contenido generado por IA puede ser incorrecto.">
+            <a:extLst>
+              <a:ext uri="{FF2B5EF4-FFF2-40B4-BE49-F238E27FC236}">
+                <a16:creationId xmlns:a16="http://schemas.microsoft.com/office/drawing/2014/main" id="{BA801A94-EC9E-CCE1-B1CC-B2667759D169}"/>
+              </a:ext>
+            </a:extLst>
+          </p:cNvPr>
+          <p:cNvPicPr>
+            <a:picLocks noChangeAspect="1"/>
+          </p:cNvPicPr>
+          <p:nvPr/>
+        </p:nvPicPr>
+        <p:blipFill>
+          <a:blip r:embed="rId5" cstate="print">
+            <a:extLst>
+              <a:ext uri="{28A0092B-C50C-407E-A947-70E740481C1C}">
+                <a14:useLocalDpi xmlns:a14="http://schemas.microsoft.com/office/drawing/2010/main" val="0"/>
+              </a:ext>
+            </a:extLst>
+          </a:blip>
+          <a:stretch>
+            <a:fillRect/>
+          </a:stretch>
+        </p:blipFill>
+        <p:spPr>
+          <a:xfrm>
+            <a:off x="6231469" y="2300774"/>
+            <a:ext cx="282322" cy="197625"/>
+          </a:xfrm>
+          <a:prstGeom prst="rect">
+            <a:avLst/>
+          </a:prstGeom>
+          <a:solidFill>
+            <a:srgbClr val="F2F2F2"/>
+          </a:solidFill>
+        </p:spPr>
+      </p:pic>
+      <p:pic>
+        <p:nvPicPr>
+          <p:cNvPr id="75" name="Imagen 74" descr="Icono&#10;&#10;El contenido generado por IA puede ser incorrecto.">
+            <a:extLst>
+              <a:ext uri="{FF2B5EF4-FFF2-40B4-BE49-F238E27FC236}">
+                <a16:creationId xmlns:a16="http://schemas.microsoft.com/office/drawing/2014/main" id="{F67BC969-4B62-0844-F269-56B52A9D8981}"/>
+              </a:ext>
+            </a:extLst>
+          </p:cNvPr>
+          <p:cNvPicPr>
+            <a:picLocks noChangeAspect="1"/>
+          </p:cNvPicPr>
+          <p:nvPr/>
+        </p:nvPicPr>
+        <p:blipFill>
+          <a:blip r:embed="rId5" cstate="print">
+            <a:extLst>
+              <a:ext uri="{28A0092B-C50C-407E-A947-70E740481C1C}">
+                <a14:useLocalDpi xmlns:a14="http://schemas.microsoft.com/office/drawing/2010/main" val="0"/>
+              </a:ext>
+            </a:extLst>
+          </a:blip>
+          <a:stretch>
+            <a:fillRect/>
+          </a:stretch>
+        </p:blipFill>
+        <p:spPr>
+          <a:xfrm>
+            <a:off x="2562065" y="2298874"/>
+            <a:ext cx="282322" cy="197625"/>
+          </a:xfrm>
+          <a:prstGeom prst="rect">
+            <a:avLst/>
+          </a:prstGeom>
+          <a:solidFill>
+            <a:srgbClr val="F2F2F2"/>
+          </a:solidFill>
+        </p:spPr>
+      </p:pic>
+      <p:sp>
+        <p:nvSpPr>
+          <p:cNvPr id="76" name="CuadroTexto 75">
+            <a:extLst>
+              <a:ext uri="{FF2B5EF4-FFF2-40B4-BE49-F238E27FC236}">
+                <a16:creationId xmlns:a16="http://schemas.microsoft.com/office/drawing/2014/main" id="{5EF60536-4BAB-E540-5228-3639DF56B05F}"/>
+              </a:ext>
+            </a:extLst>
+          </p:cNvPr>
+          <p:cNvSpPr txBox="1"/>
+          <p:nvPr/>
+        </p:nvSpPr>
+        <p:spPr>
+          <a:xfrm>
+            <a:off x="2328721" y="2603580"/>
+            <a:ext cx="885077" cy="338554"/>
+          </a:xfrm>
+          <a:prstGeom prst="rect">
+            <a:avLst/>
+          </a:prstGeom>
+          <a:noFill/>
+        </p:spPr>
+        <p:txBody>
+          <a:bodyPr wrap="square" rtlCol="0">
+            <a:spAutoFit/>
+          </a:bodyPr>
+          <a:lstStyle/>
+          <a:p>
+            <a:r>
+              <a:rPr lang="es-ES" sz="800" dirty="0">
+                <a:latin typeface="Montserrat" panose="00000500000000000000" pitchFamily="2" charset="0"/>
+                <a:cs typeface="Mongolian Baiti" panose="03000500000000000000" pitchFamily="66" charset="0"/>
+              </a:rPr>
+              <a:t>Delta </a:t>
+            </a:r>
+            <a:r>
+              <a:rPr lang="es-ES" sz="800" dirty="0" err="1">
+                <a:latin typeface="Montserrat" panose="00000500000000000000" pitchFamily="2" charset="0"/>
+                <a:cs typeface="Mongolian Baiti" panose="03000500000000000000" pitchFamily="66" charset="0"/>
+              </a:rPr>
+              <a:t>Sharing</a:t>
+            </a:r>
+            <a:endParaRPr lang="es-ES" sz="800" dirty="0">
+              <a:latin typeface="Montserrat" panose="00000500000000000000" pitchFamily="2" charset="0"/>
+              <a:cs typeface="Mongolian Baiti" panose="03000500000000000000" pitchFamily="66" charset="0"/>
+            </a:endParaRPr>
+          </a:p>
+          <a:p>
+            <a:r>
+              <a:rPr lang="es-ES" sz="800" dirty="0" err="1">
+                <a:latin typeface="Montserrat" panose="00000500000000000000" pitchFamily="2" charset="0"/>
+                <a:cs typeface="Mongolian Baiti" panose="03000500000000000000" pitchFamily="66" charset="0"/>
+              </a:rPr>
+              <a:t>Protocol</a:t>
+            </a:r>
+            <a:endParaRPr lang="es-ES" sz="800" dirty="0">
+              <a:latin typeface="Montserrat" panose="00000500000000000000" pitchFamily="2" charset="0"/>
+              <a:cs typeface="Mongolian Baiti" panose="03000500000000000000" pitchFamily="66" charset="0"/>
+            </a:endParaRPr>
+          </a:p>
+        </p:txBody>
+      </p:sp>
+      <p:sp>
+        <p:nvSpPr>
+          <p:cNvPr id="77" name="CuadroTexto 76">
+            <a:extLst>
+              <a:ext uri="{FF2B5EF4-FFF2-40B4-BE49-F238E27FC236}">
+                <a16:creationId xmlns:a16="http://schemas.microsoft.com/office/drawing/2014/main" id="{C120651E-D33E-32F2-3D45-8D89435ED0F1}"/>
+              </a:ext>
+            </a:extLst>
+          </p:cNvPr>
+          <p:cNvSpPr txBox="1"/>
+          <p:nvPr/>
+        </p:nvSpPr>
+        <p:spPr>
+          <a:xfrm>
+            <a:off x="6072692" y="2605537"/>
+            <a:ext cx="885077" cy="338554"/>
+          </a:xfrm>
+          <a:prstGeom prst="rect">
+            <a:avLst/>
+          </a:prstGeom>
+          <a:noFill/>
+        </p:spPr>
+        <p:txBody>
+          <a:bodyPr wrap="square" rtlCol="0">
+            <a:spAutoFit/>
+          </a:bodyPr>
+          <a:lstStyle/>
+          <a:p>
+            <a:r>
+              <a:rPr lang="es-ES" sz="800" dirty="0">
+                <a:latin typeface="Montserrat" panose="00000500000000000000" pitchFamily="2" charset="0"/>
+                <a:cs typeface="Mongolian Baiti" panose="03000500000000000000" pitchFamily="66" charset="0"/>
+              </a:rPr>
+              <a:t>Delta </a:t>
+            </a:r>
+            <a:r>
+              <a:rPr lang="es-ES" sz="800" dirty="0" err="1">
+                <a:latin typeface="Montserrat" panose="00000500000000000000" pitchFamily="2" charset="0"/>
+                <a:cs typeface="Mongolian Baiti" panose="03000500000000000000" pitchFamily="66" charset="0"/>
+              </a:rPr>
+              <a:t>Sharing</a:t>
+            </a:r>
+            <a:endParaRPr lang="es-ES" sz="800" dirty="0">
+              <a:latin typeface="Montserrat" panose="00000500000000000000" pitchFamily="2" charset="0"/>
+              <a:cs typeface="Mongolian Baiti" panose="03000500000000000000" pitchFamily="66" charset="0"/>
+            </a:endParaRPr>
+          </a:p>
+          <a:p>
+            <a:r>
+              <a:rPr lang="es-ES" sz="800" dirty="0" err="1">
+                <a:latin typeface="Montserrat" panose="00000500000000000000" pitchFamily="2" charset="0"/>
+                <a:cs typeface="Mongolian Baiti" panose="03000500000000000000" pitchFamily="66" charset="0"/>
+              </a:rPr>
+              <a:t>Protocol</a:t>
+            </a:r>
+            <a:endParaRPr lang="es-ES" sz="800" dirty="0">
+              <a:latin typeface="Montserrat" panose="00000500000000000000" pitchFamily="2" charset="0"/>
+              <a:cs typeface="Mongolian Baiti" panose="03000500000000000000" pitchFamily="66" charset="0"/>
+            </a:endParaRPr>
+          </a:p>
+        </p:txBody>
+      </p:sp>
+      <p:sp>
+        <p:nvSpPr>
+          <p:cNvPr id="81" name="CuadroTexto 80">
+            <a:extLst>
+              <a:ext uri="{FF2B5EF4-FFF2-40B4-BE49-F238E27FC236}">
+                <a16:creationId xmlns:a16="http://schemas.microsoft.com/office/drawing/2014/main" id="{38656305-A9AD-4DC4-C872-8E01A89369A2}"/>
+              </a:ext>
+            </a:extLst>
+          </p:cNvPr>
+          <p:cNvSpPr txBox="1"/>
+          <p:nvPr/>
+        </p:nvSpPr>
+        <p:spPr>
+          <a:xfrm>
+            <a:off x="3506277" y="1303470"/>
+            <a:ext cx="2380035" cy="392415"/>
+          </a:xfrm>
+          <a:prstGeom prst="rect">
+            <a:avLst/>
+          </a:prstGeom>
+          <a:noFill/>
+        </p:spPr>
+        <p:txBody>
+          <a:bodyPr wrap="square" rtlCol="0">
+            <a:spAutoFit/>
+          </a:bodyPr>
+          <a:lstStyle/>
+          <a:p>
+            <a:r>
+              <a:rPr lang="es-ES" sz="950" dirty="0">
+                <a:solidFill>
+                  <a:schemeClr val="bg1"/>
+                </a:solidFill>
+                <a:latin typeface="Montserrat" panose="00000500000000000000" pitchFamily="2" charset="0"/>
+              </a:rPr>
+              <a:t>DATABRICKS TRUSTED COMPUTE</a:t>
+            </a:r>
+          </a:p>
+          <a:p>
+            <a:endParaRPr lang="es-ES" sz="1000" dirty="0">
+              <a:solidFill>
+                <a:schemeClr val="bg1"/>
+              </a:solidFill>
+              <a:latin typeface="Montserrat" panose="00000500000000000000" pitchFamily="2" charset="0"/>
+            </a:endParaRPr>
+          </a:p>
+        </p:txBody>
+      </p:sp>
+      <p:pic>
+        <p:nvPicPr>
+          <p:cNvPr id="83" name="Gráfico 82">
+            <a:extLst>
+              <a:ext uri="{FF2B5EF4-FFF2-40B4-BE49-F238E27FC236}">
+                <a16:creationId xmlns:a16="http://schemas.microsoft.com/office/drawing/2014/main" id="{1E70B691-60CD-017A-C0F3-5D45BE3E2C71}"/>
+              </a:ext>
+            </a:extLst>
+          </p:cNvPr>
+          <p:cNvPicPr>
+            <a:picLocks noChangeAspect="1"/>
+          </p:cNvPicPr>
+          <p:nvPr/>
+        </p:nvPicPr>
+        <p:blipFill>
+          <a:blip r:embed="rId6">
+            <a:extLst>
+              <a:ext uri="{96DAC541-7B7A-43D3-8B79-37D633B846F1}">
+                <asvg:svgBlip xmlns:asvg="http://schemas.microsoft.com/office/drawing/2016/SVG/main" r:embed="rId7"/>
+              </a:ext>
+            </a:extLst>
+          </a:blip>
+          <a:stretch>
+            <a:fillRect/>
+          </a:stretch>
+        </p:blipFill>
+        <p:spPr>
+          <a:xfrm>
+            <a:off x="3366014" y="1324726"/>
+            <a:ext cx="173992" cy="192041"/>
+          </a:xfrm>
+          <a:prstGeom prst="rect">
+            <a:avLst/>
+          </a:prstGeom>
+        </p:spPr>
+      </p:pic>
+      <p:pic>
+        <p:nvPicPr>
+          <p:cNvPr id="87" name="Imagen 86" descr="Un dibujo con letras&#10;&#10;El contenido generado por IA puede ser incorrecto.">
+            <a:extLst>
+              <a:ext uri="{FF2B5EF4-FFF2-40B4-BE49-F238E27FC236}">
+                <a16:creationId xmlns:a16="http://schemas.microsoft.com/office/drawing/2014/main" id="{160BDDE0-8732-DC9C-15C8-D7FCFE910E98}"/>
+              </a:ext>
+            </a:extLst>
+          </p:cNvPr>
+          <p:cNvPicPr>
+            <a:picLocks noChangeAspect="1"/>
+          </p:cNvPicPr>
+          <p:nvPr/>
+        </p:nvPicPr>
+        <p:blipFill>
+          <a:blip r:embed="rId8">
+            <a:extLst>
+              <a:ext uri="{28A0092B-C50C-407E-A947-70E740481C1C}">
+                <a14:useLocalDpi xmlns:a14="http://schemas.microsoft.com/office/drawing/2010/main" val="0"/>
+              </a:ext>
+            </a:extLst>
+          </a:blip>
+          <a:stretch>
+            <a:fillRect/>
+          </a:stretch>
+        </p:blipFill>
+        <p:spPr>
+          <a:xfrm>
+            <a:off x="774340" y="3410265"/>
+            <a:ext cx="269268" cy="269268"/>
+          </a:xfrm>
+          <a:prstGeom prst="rect">
+            <a:avLst/>
+          </a:prstGeom>
+        </p:spPr>
+      </p:pic>
+      <p:pic>
+        <p:nvPicPr>
+          <p:cNvPr id="89" name="Imagen 88" descr="Un dibujo de un perro&#10;&#10;El contenido generado por IA puede ser incorrecto.">
+            <a:extLst>
+              <a:ext uri="{FF2B5EF4-FFF2-40B4-BE49-F238E27FC236}">
+                <a16:creationId xmlns:a16="http://schemas.microsoft.com/office/drawing/2014/main" id="{5E02A466-3BA1-FBCE-0845-FCC5A710A473}"/>
+              </a:ext>
+            </a:extLst>
+          </p:cNvPr>
+          <p:cNvPicPr>
+            <a:picLocks noChangeAspect="1"/>
+          </p:cNvPicPr>
+          <p:nvPr/>
+        </p:nvPicPr>
+        <p:blipFill>
+          <a:blip r:embed="rId9">
+            <a:extLst>
+              <a:ext uri="{28A0092B-C50C-407E-A947-70E740481C1C}">
+                <a14:useLocalDpi xmlns:a14="http://schemas.microsoft.com/office/drawing/2010/main" val="0"/>
+              </a:ext>
+            </a:extLst>
+          </a:blip>
+          <a:stretch>
+            <a:fillRect/>
+          </a:stretch>
+        </p:blipFill>
+        <p:spPr>
+          <a:xfrm>
+            <a:off x="1124998" y="3442230"/>
+            <a:ext cx="269268" cy="269268"/>
+          </a:xfrm>
+          <a:prstGeom prst="rect">
+            <a:avLst/>
+          </a:prstGeom>
+        </p:spPr>
+      </p:pic>
+      <p:pic>
+        <p:nvPicPr>
+          <p:cNvPr id="91" name="Imagen 90" descr="Imagen que contiene reloj, dibujo, señal&#10;&#10;El contenido generado por IA puede ser incorrecto.">
+            <a:extLst>
+              <a:ext uri="{FF2B5EF4-FFF2-40B4-BE49-F238E27FC236}">
+                <a16:creationId xmlns:a16="http://schemas.microsoft.com/office/drawing/2014/main" id="{A9D740CF-EC97-5869-F250-F3942A7F068E}"/>
+              </a:ext>
+            </a:extLst>
+          </p:cNvPr>
+          <p:cNvPicPr>
+            <a:picLocks noChangeAspect="1"/>
+          </p:cNvPicPr>
+          <p:nvPr/>
+        </p:nvPicPr>
+        <p:blipFill>
+          <a:blip r:embed="rId10">
+            <a:extLst>
+              <a:ext uri="{28A0092B-C50C-407E-A947-70E740481C1C}">
+                <a14:useLocalDpi xmlns:a14="http://schemas.microsoft.com/office/drawing/2010/main" val="0"/>
+              </a:ext>
+            </a:extLst>
+          </a:blip>
+          <a:stretch>
+            <a:fillRect/>
+          </a:stretch>
+        </p:blipFill>
+        <p:spPr>
+          <a:xfrm>
+            <a:off x="1475656" y="3413371"/>
+            <a:ext cx="269268" cy="269268"/>
+          </a:xfrm>
+          <a:prstGeom prst="rect">
+            <a:avLst/>
+          </a:prstGeom>
+        </p:spPr>
+      </p:pic>
+      <p:pic>
+        <p:nvPicPr>
+          <p:cNvPr id="92" name="Imagen 91" descr="Un dibujo con letras&#10;&#10;El contenido generado por IA puede ser incorrecto.">
+            <a:extLst>
+              <a:ext uri="{FF2B5EF4-FFF2-40B4-BE49-F238E27FC236}">
+                <a16:creationId xmlns:a16="http://schemas.microsoft.com/office/drawing/2014/main" id="{F52A6399-4998-A901-22E0-FF838DB82EBC}"/>
+              </a:ext>
+            </a:extLst>
+          </p:cNvPr>
+          <p:cNvPicPr>
+            <a:picLocks noChangeAspect="1"/>
+          </p:cNvPicPr>
+          <p:nvPr/>
+        </p:nvPicPr>
+        <p:blipFill>
+          <a:blip r:embed="rId8">
+            <a:extLst>
+              <a:ext uri="{28A0092B-C50C-407E-A947-70E740481C1C}">
+                <a14:useLocalDpi xmlns:a14="http://schemas.microsoft.com/office/drawing/2010/main" val="0"/>
+              </a:ext>
+            </a:extLst>
+          </a:blip>
+          <a:stretch>
+            <a:fillRect/>
+          </a:stretch>
+        </p:blipFill>
+        <p:spPr>
+          <a:xfrm>
+            <a:off x="7330215" y="3418769"/>
+            <a:ext cx="269268" cy="269268"/>
+          </a:xfrm>
+          <a:prstGeom prst="rect">
+            <a:avLst/>
+          </a:prstGeom>
+        </p:spPr>
+      </p:pic>
+      <p:pic>
+        <p:nvPicPr>
+          <p:cNvPr id="93" name="Imagen 92" descr="Un dibujo de un perro&#10;&#10;El contenido generado por IA puede ser incorrecto.">
+            <a:extLst>
+              <a:ext uri="{FF2B5EF4-FFF2-40B4-BE49-F238E27FC236}">
+                <a16:creationId xmlns:a16="http://schemas.microsoft.com/office/drawing/2014/main" id="{67DB7164-69F4-3041-4157-CE524A293B65}"/>
+              </a:ext>
+            </a:extLst>
+          </p:cNvPr>
+          <p:cNvPicPr>
+            <a:picLocks noChangeAspect="1"/>
+          </p:cNvPicPr>
+          <p:nvPr/>
+        </p:nvPicPr>
+        <p:blipFill>
+          <a:blip r:embed="rId9">
+            <a:extLst>
+              <a:ext uri="{28A0092B-C50C-407E-A947-70E740481C1C}">
+                <a14:useLocalDpi xmlns:a14="http://schemas.microsoft.com/office/drawing/2010/main" val="0"/>
+              </a:ext>
+            </a:extLst>
+          </a:blip>
+          <a:stretch>
+            <a:fillRect/>
+          </a:stretch>
+        </p:blipFill>
+        <p:spPr>
+          <a:xfrm>
+            <a:off x="7680873" y="3450734"/>
+            <a:ext cx="269268" cy="269268"/>
+          </a:xfrm>
+          <a:prstGeom prst="rect">
+            <a:avLst/>
+          </a:prstGeom>
+        </p:spPr>
+      </p:pic>
+      <p:pic>
+        <p:nvPicPr>
+          <p:cNvPr id="94" name="Imagen 93" descr="Imagen que contiene reloj, dibujo, señal&#10;&#10;El contenido generado por IA puede ser incorrecto.">
+            <a:extLst>
+              <a:ext uri="{FF2B5EF4-FFF2-40B4-BE49-F238E27FC236}">
+                <a16:creationId xmlns:a16="http://schemas.microsoft.com/office/drawing/2014/main" id="{74CA6656-1590-2B56-15E1-C0636B76A140}"/>
+              </a:ext>
+            </a:extLst>
+          </p:cNvPr>
+          <p:cNvPicPr>
+            <a:picLocks noChangeAspect="1"/>
+          </p:cNvPicPr>
+          <p:nvPr/>
+        </p:nvPicPr>
+        <p:blipFill>
+          <a:blip r:embed="rId10">
+            <a:extLst>
+              <a:ext uri="{28A0092B-C50C-407E-A947-70E740481C1C}">
+                <a14:useLocalDpi xmlns:a14="http://schemas.microsoft.com/office/drawing/2010/main" val="0"/>
+              </a:ext>
+            </a:extLst>
+          </a:blip>
+          <a:stretch>
+            <a:fillRect/>
+          </a:stretch>
+        </p:blipFill>
+        <p:spPr>
+          <a:xfrm>
+            <a:off x="8031531" y="3421875"/>
+            <a:ext cx="269268" cy="269268"/>
+          </a:xfrm>
+          <a:prstGeom prst="rect">
+            <a:avLst/>
+          </a:prstGeom>
+        </p:spPr>
+      </p:pic>
     </p:spTree>
     <p:extLst>
       <p:ext uri="{BB962C8B-B14F-4D97-AF65-F5344CB8AC3E}">
@@ -20581,104 +22597,6 @@
       </p:grpSpPr>
       <p:sp>
         <p:nvSpPr>
-          <p:cNvPr id="3" name="Marcador de contenido 2">
-            <a:extLst>
-              <a:ext uri="{FF2B5EF4-FFF2-40B4-BE49-F238E27FC236}">
-                <a16:creationId xmlns:a16="http://schemas.microsoft.com/office/drawing/2014/main" id="{9AC179A5-0BC4-3243-26B7-C34F74369321}"/>
-              </a:ext>
-            </a:extLst>
-          </p:cNvPr>
-          <p:cNvSpPr>
-            <a:spLocks noGrp="1"/>
-          </p:cNvSpPr>
-          <p:nvPr>
-            <p:ph sz="half" idx="1"/>
-          </p:nvPr>
-        </p:nvSpPr>
-        <p:spPr>
-          <a:xfrm>
-            <a:off x="2915816" y="1916832"/>
-            <a:ext cx="3867150" cy="1368152"/>
-          </a:xfrm>
-        </p:spPr>
-        <p:txBody>
-          <a:bodyPr/>
-          <a:lstStyle/>
-          <a:p>
-            <a:r>
-              <a:rPr lang="es-ES" dirty="0"/>
-              <a:t>Voy a poner 2 </a:t>
-            </a:r>
-            <a:r>
-              <a:rPr lang="es-ES" dirty="0" err="1"/>
-              <a:t>queries</a:t>
-            </a:r>
-            <a:r>
-              <a:rPr lang="es-ES" dirty="0"/>
-              <a:t> mas usando las tablas de sistema de </a:t>
-            </a:r>
-            <a:r>
-              <a:rPr lang="es-ES" dirty="0" err="1"/>
-              <a:t>lineage</a:t>
-            </a:r>
-            <a:endParaRPr lang="es-ES" dirty="0"/>
-          </a:p>
-        </p:txBody>
-      </p:sp>
-      <p:sp>
-        <p:nvSpPr>
-          <p:cNvPr id="6" name="Rectángulo 5">
-            <a:extLst>
-              <a:ext uri="{FF2B5EF4-FFF2-40B4-BE49-F238E27FC236}">
-                <a16:creationId xmlns:a16="http://schemas.microsoft.com/office/drawing/2014/main" id="{A8EAEE80-93F8-04A2-CC4A-083FF884C675}"/>
-              </a:ext>
-            </a:extLst>
-          </p:cNvPr>
-          <p:cNvSpPr/>
-          <p:nvPr/>
-        </p:nvSpPr>
-        <p:spPr>
-          <a:xfrm rot="19823893">
-            <a:off x="522462" y="1694023"/>
-            <a:ext cx="1944216" cy="936104"/>
-          </a:xfrm>
-          <a:prstGeom prst="rect">
-            <a:avLst/>
-          </a:prstGeom>
-          <a:solidFill>
-            <a:srgbClr val="FF0000"/>
-          </a:solidFill>
-        </p:spPr>
-        <p:style>
-          <a:lnRef idx="2">
-            <a:schemeClr val="accent1">
-              <a:shade val="15000"/>
-            </a:schemeClr>
-          </a:lnRef>
-          <a:fillRef idx="1">
-            <a:schemeClr val="accent1"/>
-          </a:fillRef>
-          <a:effectRef idx="0">
-            <a:schemeClr val="accent1"/>
-          </a:effectRef>
-          <a:fontRef idx="minor">
-            <a:schemeClr val="lt1"/>
-          </a:fontRef>
-        </p:style>
-        <p:txBody>
-          <a:bodyPr rtlCol="0" anchor="ctr"/>
-          <a:lstStyle/>
-          <a:p>
-            <a:pPr algn="ctr"/>
-            <a:r>
-              <a:rPr lang="es-ES" dirty="0"/>
-              <a:t>PENDIENTE</a:t>
-            </a:r>
-          </a:p>
-        </p:txBody>
-      </p:sp>
-      <p:sp>
-        <p:nvSpPr>
           <p:cNvPr id="7" name="Google Shape;303;g35ee5cc475b_0_63">
             <a:extLst>
               <a:ext uri="{FF2B5EF4-FFF2-40B4-BE49-F238E27FC236}">
@@ -20777,6 +22695,862 @@
               </a:solidFill>
               <a:latin typeface="Montserrat" panose="00000500000000000000" pitchFamily="2" charset="0"/>
             </a:endParaRPr>
+          </a:p>
+        </p:txBody>
+      </p:sp>
+      <p:sp>
+        <p:nvSpPr>
+          <p:cNvPr id="5" name="CuadroTexto 4">
+            <a:extLst>
+              <a:ext uri="{FF2B5EF4-FFF2-40B4-BE49-F238E27FC236}">
+                <a16:creationId xmlns:a16="http://schemas.microsoft.com/office/drawing/2014/main" id="{48491802-33C4-1295-E559-6C540BA862D7}"/>
+              </a:ext>
+            </a:extLst>
+          </p:cNvPr>
+          <p:cNvSpPr txBox="1"/>
+          <p:nvPr/>
+        </p:nvSpPr>
+        <p:spPr>
+          <a:xfrm>
+            <a:off x="628650" y="2492896"/>
+            <a:ext cx="4015358" cy="1015663"/>
+          </a:xfrm>
+          <a:prstGeom prst="rect">
+            <a:avLst/>
+          </a:prstGeom>
+          <a:noFill/>
+        </p:spPr>
+        <p:txBody>
+          <a:bodyPr wrap="square" rtlCol="0">
+            <a:spAutoFit/>
+          </a:bodyPr>
+          <a:lstStyle/>
+          <a:p>
+            <a:r>
+              <a:rPr lang="en-US" sz="1000" dirty="0">
+                <a:solidFill>
+                  <a:srgbClr val="82AAFF"/>
+                </a:solidFill>
+                <a:latin typeface="Sans Serif Collection" panose="020B0502040504020204" pitchFamily="34" charset="0"/>
+                <a:ea typeface="Sans Serif Collection" panose="020B0502040504020204" pitchFamily="34" charset="0"/>
+                <a:cs typeface="Sans Serif Collection" panose="020B0502040504020204" pitchFamily="34" charset="0"/>
+              </a:rPr>
+              <a:t>SELECT DISTINCT</a:t>
+            </a:r>
+          </a:p>
+          <a:p>
+            <a:r>
+              <a:rPr lang="en-US" sz="1000" dirty="0">
+                <a:solidFill>
+                  <a:srgbClr val="82AAFF"/>
+                </a:solidFill>
+                <a:latin typeface="Sans Serif Collection" panose="020B0502040504020204" pitchFamily="34" charset="0"/>
+                <a:ea typeface="Sans Serif Collection" panose="020B0502040504020204" pitchFamily="34" charset="0"/>
+                <a:cs typeface="Sans Serif Collection" panose="020B0502040504020204" pitchFamily="34" charset="0"/>
+              </a:rPr>
+              <a:t>  </a:t>
+            </a:r>
+            <a:r>
+              <a:rPr lang="en-US" sz="1000" dirty="0" err="1">
+                <a:latin typeface="Sans Serif Collection" panose="020B0502040504020204" pitchFamily="34" charset="0"/>
+                <a:ea typeface="Sans Serif Collection" panose="020B0502040504020204" pitchFamily="34" charset="0"/>
+                <a:cs typeface="Sans Serif Collection" panose="020B0502040504020204" pitchFamily="34" charset="0"/>
+              </a:rPr>
+              <a:t>target_table_full_name</a:t>
+            </a:r>
+            <a:endParaRPr lang="en-US" sz="1000" dirty="0">
+              <a:latin typeface="Sans Serif Collection" panose="020B0502040504020204" pitchFamily="34" charset="0"/>
+              <a:ea typeface="Sans Serif Collection" panose="020B0502040504020204" pitchFamily="34" charset="0"/>
+              <a:cs typeface="Sans Serif Collection" panose="020B0502040504020204" pitchFamily="34" charset="0"/>
+            </a:endParaRPr>
+          </a:p>
+          <a:p>
+            <a:r>
+              <a:rPr lang="en-US" sz="1000" dirty="0">
+                <a:solidFill>
+                  <a:srgbClr val="82AAFF"/>
+                </a:solidFill>
+                <a:latin typeface="Sans Serif Collection" panose="020B0502040504020204" pitchFamily="34" charset="0"/>
+                <a:ea typeface="Sans Serif Collection" panose="020B0502040504020204" pitchFamily="34" charset="0"/>
+                <a:cs typeface="Sans Serif Collection" panose="020B0502040504020204" pitchFamily="34" charset="0"/>
+              </a:rPr>
+              <a:t>FROM</a:t>
+            </a:r>
+          </a:p>
+          <a:p>
+            <a:r>
+              <a:rPr lang="en-US" sz="1000" dirty="0">
+                <a:solidFill>
+                  <a:srgbClr val="82AAFF"/>
+                </a:solidFill>
+                <a:latin typeface="Sans Serif Collection" panose="020B0502040504020204" pitchFamily="34" charset="0"/>
+                <a:ea typeface="Sans Serif Collection" panose="020B0502040504020204" pitchFamily="34" charset="0"/>
+                <a:cs typeface="Sans Serif Collection" panose="020B0502040504020204" pitchFamily="34" charset="0"/>
+              </a:rPr>
+              <a:t>  </a:t>
+            </a:r>
+            <a:r>
+              <a:rPr lang="en-US" sz="1000" dirty="0" err="1">
+                <a:latin typeface="Sans Serif Collection" panose="020B0502040504020204" pitchFamily="34" charset="0"/>
+                <a:ea typeface="Sans Serif Collection" panose="020B0502040504020204" pitchFamily="34" charset="0"/>
+                <a:cs typeface="Sans Serif Collection" panose="020B0502040504020204" pitchFamily="34" charset="0"/>
+              </a:rPr>
+              <a:t>system.lakeflow.table_lineage</a:t>
+            </a:r>
+            <a:endParaRPr lang="en-US" sz="1000" dirty="0">
+              <a:latin typeface="Sans Serif Collection" panose="020B0502040504020204" pitchFamily="34" charset="0"/>
+              <a:ea typeface="Sans Serif Collection" panose="020B0502040504020204" pitchFamily="34" charset="0"/>
+              <a:cs typeface="Sans Serif Collection" panose="020B0502040504020204" pitchFamily="34" charset="0"/>
+            </a:endParaRPr>
+          </a:p>
+          <a:p>
+            <a:r>
+              <a:rPr lang="en-US" sz="1000" dirty="0">
+                <a:solidFill>
+                  <a:srgbClr val="82AAFF"/>
+                </a:solidFill>
+                <a:latin typeface="Sans Serif Collection" panose="020B0502040504020204" pitchFamily="34" charset="0"/>
+                <a:ea typeface="Sans Serif Collection" panose="020B0502040504020204" pitchFamily="34" charset="0"/>
+                <a:cs typeface="Sans Serif Collection" panose="020B0502040504020204" pitchFamily="34" charset="0"/>
+              </a:rPr>
+              <a:t>WHERE</a:t>
+            </a:r>
+          </a:p>
+          <a:p>
+            <a:r>
+              <a:rPr lang="en-US" sz="1000" dirty="0">
+                <a:solidFill>
+                  <a:srgbClr val="82AAFF"/>
+                </a:solidFill>
+                <a:latin typeface="Sans Serif Collection" panose="020B0502040504020204" pitchFamily="34" charset="0"/>
+                <a:ea typeface="Sans Serif Collection" panose="020B0502040504020204" pitchFamily="34" charset="0"/>
+                <a:cs typeface="Sans Serif Collection" panose="020B0502040504020204" pitchFamily="34" charset="0"/>
+              </a:rPr>
+              <a:t>  </a:t>
+            </a:r>
+            <a:r>
+              <a:rPr lang="en-US" sz="1000" dirty="0" err="1">
+                <a:latin typeface="Sans Serif Collection" panose="020B0502040504020204" pitchFamily="34" charset="0"/>
+                <a:ea typeface="Sans Serif Collection" panose="020B0502040504020204" pitchFamily="34" charset="0"/>
+                <a:cs typeface="Sans Serif Collection" panose="020B0502040504020204" pitchFamily="34" charset="0"/>
+              </a:rPr>
+              <a:t>source_table_name</a:t>
+            </a:r>
+            <a:r>
+              <a:rPr lang="en-US" sz="1000" dirty="0">
+                <a:latin typeface="Sans Serif Collection" panose="020B0502040504020204" pitchFamily="34" charset="0"/>
+                <a:ea typeface="Sans Serif Collection" panose="020B0502040504020204" pitchFamily="34" charset="0"/>
+                <a:cs typeface="Sans Serif Collection" panose="020B0502040504020204" pitchFamily="34" charset="0"/>
+              </a:rPr>
+              <a:t> = '</a:t>
+            </a:r>
+            <a:r>
+              <a:rPr lang="en-US" sz="1000" dirty="0" err="1">
+                <a:latin typeface="Sans Serif Collection" panose="020B0502040504020204" pitchFamily="34" charset="0"/>
+                <a:ea typeface="Sans Serif Collection" panose="020B0502040504020204" pitchFamily="34" charset="0"/>
+                <a:cs typeface="Sans Serif Collection" panose="020B0502040504020204" pitchFamily="34" charset="0"/>
+              </a:rPr>
+              <a:t>login_data_bronze</a:t>
+            </a:r>
+            <a:r>
+              <a:rPr lang="en-US" sz="1000" dirty="0">
+                <a:latin typeface="Sans Serif Collection" panose="020B0502040504020204" pitchFamily="34" charset="0"/>
+                <a:ea typeface="Sans Serif Collection" panose="020B0502040504020204" pitchFamily="34" charset="0"/>
+                <a:cs typeface="Sans Serif Collection" panose="020B0502040504020204" pitchFamily="34" charset="0"/>
+              </a:rPr>
+              <a:t>';</a:t>
+            </a:r>
+            <a:endParaRPr lang="es-ES" sz="1050" dirty="0">
+              <a:latin typeface="Sans Serif Collection" panose="020B0502040504020204" pitchFamily="34" charset="0"/>
+              <a:ea typeface="Sans Serif Collection" panose="020B0502040504020204" pitchFamily="34" charset="0"/>
+              <a:cs typeface="Sans Serif Collection" panose="020B0502040504020204" pitchFamily="34" charset="0"/>
+            </a:endParaRPr>
+          </a:p>
+        </p:txBody>
+      </p:sp>
+      <p:sp>
+        <p:nvSpPr>
+          <p:cNvPr id="8" name="Marcador de contenido 3">
+            <a:extLst>
+              <a:ext uri="{FF2B5EF4-FFF2-40B4-BE49-F238E27FC236}">
+                <a16:creationId xmlns:a16="http://schemas.microsoft.com/office/drawing/2014/main" id="{60F54C88-7693-6D2A-4EAA-8A3D4EF1A844}"/>
+              </a:ext>
+            </a:extLst>
+          </p:cNvPr>
+          <p:cNvSpPr txBox="1">
+            <a:spLocks/>
+          </p:cNvSpPr>
+          <p:nvPr/>
+        </p:nvSpPr>
+        <p:spPr>
+          <a:xfrm>
+            <a:off x="628650" y="2196064"/>
+            <a:ext cx="3439294" cy="426485"/>
+          </a:xfrm>
+          <a:prstGeom prst="rect">
+            <a:avLst/>
+          </a:prstGeom>
+        </p:spPr>
+        <p:txBody>
+          <a:bodyPr vert="horz" lIns="91440" tIns="45720" rIns="91440" bIns="45720" rtlCol="0">
+            <a:normAutofit/>
+          </a:bodyPr>
+          <a:lstStyle>
+            <a:lvl1pPr marL="228600" indent="-228600" algn="l" defTabSz="914400" rtl="0" eaLnBrk="1" latinLnBrk="0" hangingPunct="1">
+              <a:lnSpc>
+                <a:spcPct val="90000"/>
+              </a:lnSpc>
+              <a:spcBef>
+                <a:spcPts val="1000"/>
+              </a:spcBef>
+              <a:buFont typeface="Arial" panose="020B0604020202020204" pitchFamily="34" charset="0"/>
+              <a:buChar char="•"/>
+              <a:defRPr sz="2000" kern="1200">
+                <a:solidFill>
+                  <a:schemeClr val="tx1"/>
+                </a:solidFill>
+                <a:latin typeface="+mn-lt"/>
+                <a:ea typeface="+mn-ea"/>
+                <a:cs typeface="+mn-cs"/>
+              </a:defRPr>
+            </a:lvl1pPr>
+            <a:lvl2pPr marL="685800" indent="-228600" algn="l" defTabSz="914400" rtl="0" eaLnBrk="1" latinLnBrk="0" hangingPunct="1">
+              <a:lnSpc>
+                <a:spcPct val="90000"/>
+              </a:lnSpc>
+              <a:spcBef>
+                <a:spcPts val="500"/>
+              </a:spcBef>
+              <a:buFont typeface="Arial" panose="020B0604020202020204" pitchFamily="34" charset="0"/>
+              <a:buChar char="•"/>
+              <a:defRPr sz="1800" kern="1200">
+                <a:solidFill>
+                  <a:schemeClr val="tx1"/>
+                </a:solidFill>
+                <a:latin typeface="+mn-lt"/>
+                <a:ea typeface="+mn-ea"/>
+                <a:cs typeface="+mn-cs"/>
+              </a:defRPr>
+            </a:lvl2pPr>
+            <a:lvl3pPr marL="1143000" indent="-228600" algn="l" defTabSz="914400" rtl="0" eaLnBrk="1" latinLnBrk="0" hangingPunct="1">
+              <a:lnSpc>
+                <a:spcPct val="90000"/>
+              </a:lnSpc>
+              <a:spcBef>
+                <a:spcPts val="500"/>
+              </a:spcBef>
+              <a:buFont typeface="Arial" panose="020B0604020202020204" pitchFamily="34" charset="0"/>
+              <a:buChar char="•"/>
+              <a:defRPr sz="1600" kern="1200">
+                <a:solidFill>
+                  <a:schemeClr val="tx1"/>
+                </a:solidFill>
+                <a:latin typeface="+mn-lt"/>
+                <a:ea typeface="+mn-ea"/>
+                <a:cs typeface="+mn-cs"/>
+              </a:defRPr>
+            </a:lvl3pPr>
+            <a:lvl4pPr marL="1600200" indent="-228600" algn="l" defTabSz="914400" rtl="0" eaLnBrk="1" latinLnBrk="0" hangingPunct="1">
+              <a:lnSpc>
+                <a:spcPct val="90000"/>
+              </a:lnSpc>
+              <a:spcBef>
+                <a:spcPts val="500"/>
+              </a:spcBef>
+              <a:buFont typeface="Arial" panose="020B0604020202020204" pitchFamily="34" charset="0"/>
+              <a:buChar char="•"/>
+              <a:defRPr sz="1400" kern="1200">
+                <a:solidFill>
+                  <a:schemeClr val="tx1"/>
+                </a:solidFill>
+                <a:latin typeface="+mn-lt"/>
+                <a:ea typeface="+mn-ea"/>
+                <a:cs typeface="+mn-cs"/>
+              </a:defRPr>
+            </a:lvl4pPr>
+            <a:lvl5pPr marL="2057400" indent="-228600" algn="l" defTabSz="914400" rtl="0" eaLnBrk="1" latinLnBrk="0" hangingPunct="1">
+              <a:lnSpc>
+                <a:spcPct val="90000"/>
+              </a:lnSpc>
+              <a:spcBef>
+                <a:spcPts val="500"/>
+              </a:spcBef>
+              <a:buFont typeface="Arial" panose="020B0604020202020204" pitchFamily="34" charset="0"/>
+              <a:buChar char="•"/>
+              <a:defRPr sz="1200" kern="1200">
+                <a:solidFill>
+                  <a:schemeClr val="tx1"/>
+                </a:solidFill>
+                <a:latin typeface="+mn-lt"/>
+                <a:ea typeface="+mn-ea"/>
+                <a:cs typeface="+mn-cs"/>
+              </a:defRPr>
+            </a:lvl5pPr>
+            <a:lvl6pPr marL="2514600" indent="-228600" algn="l" defTabSz="914400" rtl="0" eaLnBrk="1" latinLnBrk="0" hangingPunct="1">
+              <a:lnSpc>
+                <a:spcPct val="90000"/>
+              </a:lnSpc>
+              <a:spcBef>
+                <a:spcPts val="500"/>
+              </a:spcBef>
+              <a:buFont typeface="Arial" panose="020B0604020202020204" pitchFamily="34" charset="0"/>
+              <a:buChar char="•"/>
+              <a:defRPr sz="1800" kern="1200">
+                <a:solidFill>
+                  <a:schemeClr val="tx1"/>
+                </a:solidFill>
+                <a:latin typeface="+mn-lt"/>
+                <a:ea typeface="+mn-ea"/>
+                <a:cs typeface="+mn-cs"/>
+              </a:defRPr>
+            </a:lvl6pPr>
+            <a:lvl7pPr marL="2971800" indent="-228600" algn="l" defTabSz="914400" rtl="0" eaLnBrk="1" latinLnBrk="0" hangingPunct="1">
+              <a:lnSpc>
+                <a:spcPct val="90000"/>
+              </a:lnSpc>
+              <a:spcBef>
+                <a:spcPts val="500"/>
+              </a:spcBef>
+              <a:buFont typeface="Arial" panose="020B0604020202020204" pitchFamily="34" charset="0"/>
+              <a:buChar char="•"/>
+              <a:defRPr sz="1800" kern="1200">
+                <a:solidFill>
+                  <a:schemeClr val="tx1"/>
+                </a:solidFill>
+                <a:latin typeface="+mn-lt"/>
+                <a:ea typeface="+mn-ea"/>
+                <a:cs typeface="+mn-cs"/>
+              </a:defRPr>
+            </a:lvl7pPr>
+            <a:lvl8pPr marL="3429000" indent="-228600" algn="l" defTabSz="914400" rtl="0" eaLnBrk="1" latinLnBrk="0" hangingPunct="1">
+              <a:lnSpc>
+                <a:spcPct val="90000"/>
+              </a:lnSpc>
+              <a:spcBef>
+                <a:spcPts val="500"/>
+              </a:spcBef>
+              <a:buFont typeface="Arial" panose="020B0604020202020204" pitchFamily="34" charset="0"/>
+              <a:buChar char="•"/>
+              <a:defRPr sz="1800" kern="1200">
+                <a:solidFill>
+                  <a:schemeClr val="tx1"/>
+                </a:solidFill>
+                <a:latin typeface="+mn-lt"/>
+                <a:ea typeface="+mn-ea"/>
+                <a:cs typeface="+mn-cs"/>
+              </a:defRPr>
+            </a:lvl8pPr>
+            <a:lvl9pPr marL="3886200" indent="-228600" algn="l" defTabSz="914400" rtl="0" eaLnBrk="1" latinLnBrk="0" hangingPunct="1">
+              <a:lnSpc>
+                <a:spcPct val="90000"/>
+              </a:lnSpc>
+              <a:spcBef>
+                <a:spcPts val="500"/>
+              </a:spcBef>
+              <a:buFont typeface="Arial" panose="020B0604020202020204" pitchFamily="34" charset="0"/>
+              <a:buChar char="•"/>
+              <a:defRPr sz="1800" kern="1200">
+                <a:solidFill>
+                  <a:schemeClr val="tx1"/>
+                </a:solidFill>
+                <a:latin typeface="+mn-lt"/>
+                <a:ea typeface="+mn-ea"/>
+                <a:cs typeface="+mn-cs"/>
+              </a:defRPr>
+            </a:lvl9pPr>
+          </a:lstStyle>
+          <a:p>
+            <a:pPr marL="0" indent="0">
+              <a:buFont typeface="Arial" panose="020B0604020202020204" pitchFamily="34" charset="0"/>
+              <a:buNone/>
+            </a:pPr>
+            <a:r>
+              <a:rPr lang="es-ES" sz="1200" b="1" dirty="0">
+                <a:latin typeface="Montserrat" panose="00000500000000000000" pitchFamily="2" charset="0"/>
+              </a:rPr>
+              <a:t>¿Qué tablas tienen esta como fuente?</a:t>
+            </a:r>
+          </a:p>
+        </p:txBody>
+      </p:sp>
+      <p:sp>
+        <p:nvSpPr>
+          <p:cNvPr id="9" name="Estrella: 5 puntas 8">
+            <a:extLst>
+              <a:ext uri="{FF2B5EF4-FFF2-40B4-BE49-F238E27FC236}">
+                <a16:creationId xmlns:a16="http://schemas.microsoft.com/office/drawing/2014/main" id="{20A2E0C4-F392-8704-475B-AD74A7F323D5}"/>
+              </a:ext>
+            </a:extLst>
+          </p:cNvPr>
+          <p:cNvSpPr/>
+          <p:nvPr/>
+        </p:nvSpPr>
+        <p:spPr>
+          <a:xfrm>
+            <a:off x="429002" y="2184482"/>
+            <a:ext cx="216024" cy="224824"/>
+          </a:xfrm>
+          <a:prstGeom prst="star5">
+            <a:avLst/>
+          </a:prstGeom>
+          <a:solidFill>
+            <a:schemeClr val="accent4">
+              <a:lumMod val="40000"/>
+              <a:lumOff val="60000"/>
+            </a:schemeClr>
+          </a:solidFill>
+          <a:ln>
+            <a:solidFill>
+              <a:schemeClr val="accent4">
+                <a:lumMod val="60000"/>
+                <a:lumOff val="40000"/>
+              </a:schemeClr>
+            </a:solidFill>
+          </a:ln>
+        </p:spPr>
+        <p:style>
+          <a:lnRef idx="2">
+            <a:schemeClr val="accent1">
+              <a:shade val="15000"/>
+            </a:schemeClr>
+          </a:lnRef>
+          <a:fillRef idx="1">
+            <a:schemeClr val="accent1"/>
+          </a:fillRef>
+          <a:effectRef idx="0">
+            <a:schemeClr val="accent1"/>
+          </a:effectRef>
+          <a:fontRef idx="minor">
+            <a:schemeClr val="lt1"/>
+          </a:fontRef>
+        </p:style>
+        <p:txBody>
+          <a:bodyPr rtlCol="0" anchor="ctr"/>
+          <a:lstStyle/>
+          <a:p>
+            <a:pPr algn="ctr"/>
+            <a:endParaRPr lang="es-ES"/>
+          </a:p>
+        </p:txBody>
+      </p:sp>
+      <p:sp>
+        <p:nvSpPr>
+          <p:cNvPr id="10" name="CuadroTexto 9">
+            <a:extLst>
+              <a:ext uri="{FF2B5EF4-FFF2-40B4-BE49-F238E27FC236}">
+                <a16:creationId xmlns:a16="http://schemas.microsoft.com/office/drawing/2014/main" id="{BAE139E6-5F40-63FB-1B7C-BC4E5A128233}"/>
+              </a:ext>
+            </a:extLst>
+          </p:cNvPr>
+          <p:cNvSpPr txBox="1"/>
+          <p:nvPr/>
+        </p:nvSpPr>
+        <p:spPr>
+          <a:xfrm>
+            <a:off x="4843656" y="2492896"/>
+            <a:ext cx="4015358" cy="1323439"/>
+          </a:xfrm>
+          <a:prstGeom prst="rect">
+            <a:avLst/>
+          </a:prstGeom>
+          <a:noFill/>
+        </p:spPr>
+        <p:txBody>
+          <a:bodyPr wrap="square" rtlCol="0">
+            <a:spAutoFit/>
+          </a:bodyPr>
+          <a:lstStyle/>
+          <a:p>
+            <a:r>
+              <a:rPr lang="en-US" sz="1000" dirty="0">
+                <a:solidFill>
+                  <a:srgbClr val="82AAFF"/>
+                </a:solidFill>
+                <a:latin typeface="Sans Serif Collection" panose="020B0502040504020204" pitchFamily="34" charset="0"/>
+                <a:ea typeface="Sans Serif Collection" panose="020B0502040504020204" pitchFamily="34" charset="0"/>
+                <a:cs typeface="Sans Serif Collection" panose="020B0502040504020204" pitchFamily="34" charset="0"/>
+              </a:rPr>
+              <a:t>SELECT DISTINCT</a:t>
+            </a:r>
+          </a:p>
+          <a:p>
+            <a:r>
+              <a:rPr lang="en-US" sz="1000" dirty="0">
+                <a:latin typeface="Sans Serif Collection" panose="020B0502040504020204" pitchFamily="34" charset="0"/>
+                <a:ea typeface="Sans Serif Collection" panose="020B0502040504020204" pitchFamily="34" charset="0"/>
+                <a:cs typeface="Sans Serif Collection" panose="020B0502040504020204" pitchFamily="34" charset="0"/>
+              </a:rPr>
+              <a:t>  </a:t>
+            </a:r>
+            <a:r>
+              <a:rPr lang="en-US" sz="1000" dirty="0" err="1">
+                <a:latin typeface="Sans Serif Collection" panose="020B0502040504020204" pitchFamily="34" charset="0"/>
+                <a:ea typeface="Sans Serif Collection" panose="020B0502040504020204" pitchFamily="34" charset="0"/>
+                <a:cs typeface="Sans Serif Collection" panose="020B0502040504020204" pitchFamily="34" charset="0"/>
+              </a:rPr>
+              <a:t>entity_type</a:t>
+            </a:r>
+            <a:r>
+              <a:rPr lang="en-US" sz="1000" dirty="0">
+                <a:latin typeface="Sans Serif Collection" panose="020B0502040504020204" pitchFamily="34" charset="0"/>
+                <a:ea typeface="Sans Serif Collection" panose="020B0502040504020204" pitchFamily="34" charset="0"/>
+                <a:cs typeface="Sans Serif Collection" panose="020B0502040504020204" pitchFamily="34" charset="0"/>
+              </a:rPr>
+              <a:t>,</a:t>
+            </a:r>
+          </a:p>
+          <a:p>
+            <a:r>
+              <a:rPr lang="en-US" sz="1000" dirty="0">
+                <a:latin typeface="Sans Serif Collection" panose="020B0502040504020204" pitchFamily="34" charset="0"/>
+                <a:ea typeface="Sans Serif Collection" panose="020B0502040504020204" pitchFamily="34" charset="0"/>
+                <a:cs typeface="Sans Serif Collection" panose="020B0502040504020204" pitchFamily="34" charset="0"/>
+              </a:rPr>
+              <a:t>  </a:t>
+            </a:r>
+            <a:r>
+              <a:rPr lang="en-US" sz="1000" dirty="0" err="1">
+                <a:latin typeface="Sans Serif Collection" panose="020B0502040504020204" pitchFamily="34" charset="0"/>
+                <a:ea typeface="Sans Serif Collection" panose="020B0502040504020204" pitchFamily="34" charset="0"/>
+                <a:cs typeface="Sans Serif Collection" panose="020B0502040504020204" pitchFamily="34" charset="0"/>
+              </a:rPr>
+              <a:t>entity_id</a:t>
+            </a:r>
+            <a:r>
+              <a:rPr lang="en-US" sz="1000" dirty="0">
+                <a:latin typeface="Sans Serif Collection" panose="020B0502040504020204" pitchFamily="34" charset="0"/>
+                <a:ea typeface="Sans Serif Collection" panose="020B0502040504020204" pitchFamily="34" charset="0"/>
+                <a:cs typeface="Sans Serif Collection" panose="020B0502040504020204" pitchFamily="34" charset="0"/>
+              </a:rPr>
+              <a:t>,</a:t>
+            </a:r>
+          </a:p>
+          <a:p>
+            <a:r>
+              <a:rPr lang="en-US" sz="1000" dirty="0">
+                <a:latin typeface="Sans Serif Collection" panose="020B0502040504020204" pitchFamily="34" charset="0"/>
+                <a:ea typeface="Sans Serif Collection" panose="020B0502040504020204" pitchFamily="34" charset="0"/>
+                <a:cs typeface="Sans Serif Collection" panose="020B0502040504020204" pitchFamily="34" charset="0"/>
+              </a:rPr>
+              <a:t>  </a:t>
+            </a:r>
+            <a:r>
+              <a:rPr lang="en-US" sz="1000" dirty="0" err="1">
+                <a:latin typeface="Sans Serif Collection" panose="020B0502040504020204" pitchFamily="34" charset="0"/>
+                <a:ea typeface="Sans Serif Collection" panose="020B0502040504020204" pitchFamily="34" charset="0"/>
+                <a:cs typeface="Sans Serif Collection" panose="020B0502040504020204" pitchFamily="34" charset="0"/>
+              </a:rPr>
+              <a:t>source_table_full_name</a:t>
+            </a:r>
+            <a:endParaRPr lang="en-US" sz="1000" dirty="0">
+              <a:latin typeface="Sans Serif Collection" panose="020B0502040504020204" pitchFamily="34" charset="0"/>
+              <a:ea typeface="Sans Serif Collection" panose="020B0502040504020204" pitchFamily="34" charset="0"/>
+              <a:cs typeface="Sans Serif Collection" panose="020B0502040504020204" pitchFamily="34" charset="0"/>
+            </a:endParaRPr>
+          </a:p>
+          <a:p>
+            <a:r>
+              <a:rPr lang="en-US" sz="1000" dirty="0">
+                <a:solidFill>
+                  <a:srgbClr val="82AAFF"/>
+                </a:solidFill>
+                <a:latin typeface="Sans Serif Collection" panose="020B0502040504020204" pitchFamily="34" charset="0"/>
+                <a:ea typeface="Sans Serif Collection" panose="020B0502040504020204" pitchFamily="34" charset="0"/>
+                <a:cs typeface="Sans Serif Collection" panose="020B0502040504020204" pitchFamily="34" charset="0"/>
+              </a:rPr>
+              <a:t>FROM</a:t>
+            </a:r>
+          </a:p>
+          <a:p>
+            <a:r>
+              <a:rPr lang="en-US" sz="1000" dirty="0">
+                <a:latin typeface="Sans Serif Collection" panose="020B0502040504020204" pitchFamily="34" charset="0"/>
+                <a:ea typeface="Sans Serif Collection" panose="020B0502040504020204" pitchFamily="34" charset="0"/>
+                <a:cs typeface="Sans Serif Collection" panose="020B0502040504020204" pitchFamily="34" charset="0"/>
+              </a:rPr>
+              <a:t>  </a:t>
+            </a:r>
+            <a:r>
+              <a:rPr lang="en-US" sz="1000" dirty="0" err="1">
+                <a:latin typeface="Sans Serif Collection" panose="020B0502040504020204" pitchFamily="34" charset="0"/>
+                <a:ea typeface="Sans Serif Collection" panose="020B0502040504020204" pitchFamily="34" charset="0"/>
+                <a:cs typeface="Sans Serif Collection" panose="020B0502040504020204" pitchFamily="34" charset="0"/>
+              </a:rPr>
+              <a:t>system.lakeflow.table_lineage</a:t>
+            </a:r>
+            <a:endParaRPr lang="en-US" sz="1000" dirty="0">
+              <a:latin typeface="Sans Serif Collection" panose="020B0502040504020204" pitchFamily="34" charset="0"/>
+              <a:ea typeface="Sans Serif Collection" panose="020B0502040504020204" pitchFamily="34" charset="0"/>
+              <a:cs typeface="Sans Serif Collection" panose="020B0502040504020204" pitchFamily="34" charset="0"/>
+            </a:endParaRPr>
+          </a:p>
+          <a:p>
+            <a:r>
+              <a:rPr lang="en-US" sz="1000" dirty="0">
+                <a:solidFill>
+                  <a:srgbClr val="82AAFF"/>
+                </a:solidFill>
+                <a:latin typeface="Sans Serif Collection" panose="020B0502040504020204" pitchFamily="34" charset="0"/>
+                <a:ea typeface="Sans Serif Collection" panose="020B0502040504020204" pitchFamily="34" charset="0"/>
+                <a:cs typeface="Sans Serif Collection" panose="020B0502040504020204" pitchFamily="34" charset="0"/>
+              </a:rPr>
+              <a:t>WHERE</a:t>
+            </a:r>
+          </a:p>
+          <a:p>
+            <a:r>
+              <a:rPr lang="en-US" sz="1000" dirty="0">
+                <a:solidFill>
+                  <a:srgbClr val="82AAFF"/>
+                </a:solidFill>
+                <a:latin typeface="Sans Serif Collection" panose="020B0502040504020204" pitchFamily="34" charset="0"/>
+                <a:ea typeface="Sans Serif Collection" panose="020B0502040504020204" pitchFamily="34" charset="0"/>
+                <a:cs typeface="Sans Serif Collection" panose="020B0502040504020204" pitchFamily="34" charset="0"/>
+              </a:rPr>
+              <a:t>  </a:t>
+            </a:r>
+            <a:r>
+              <a:rPr lang="en-US" sz="1000" dirty="0" err="1">
+                <a:latin typeface="Sans Serif Collection" panose="020B0502040504020204" pitchFamily="34" charset="0"/>
+                <a:ea typeface="Sans Serif Collection" panose="020B0502040504020204" pitchFamily="34" charset="0"/>
+                <a:cs typeface="Sans Serif Collection" panose="020B0502040504020204" pitchFamily="34" charset="0"/>
+              </a:rPr>
+              <a:t>source_table_name</a:t>
+            </a:r>
+            <a:r>
+              <a:rPr lang="en-US" sz="1000" dirty="0">
+                <a:latin typeface="Sans Serif Collection" panose="020B0502040504020204" pitchFamily="34" charset="0"/>
+                <a:ea typeface="Sans Serif Collection" panose="020B0502040504020204" pitchFamily="34" charset="0"/>
+                <a:cs typeface="Sans Serif Collection" panose="020B0502040504020204" pitchFamily="34" charset="0"/>
+              </a:rPr>
+              <a:t> = '</a:t>
+            </a:r>
+            <a:r>
+              <a:rPr lang="en-US" sz="1000" dirty="0" err="1">
+                <a:latin typeface="Sans Serif Collection" panose="020B0502040504020204" pitchFamily="34" charset="0"/>
+                <a:ea typeface="Sans Serif Collection" panose="020B0502040504020204" pitchFamily="34" charset="0"/>
+                <a:cs typeface="Sans Serif Collection" panose="020B0502040504020204" pitchFamily="34" charset="0"/>
+              </a:rPr>
+              <a:t>login_data_silver</a:t>
+            </a:r>
+            <a:r>
+              <a:rPr lang="en-US" sz="1000" dirty="0">
+                <a:latin typeface="Sans Serif Collection" panose="020B0502040504020204" pitchFamily="34" charset="0"/>
+                <a:ea typeface="Sans Serif Collection" panose="020B0502040504020204" pitchFamily="34" charset="0"/>
+                <a:cs typeface="Sans Serif Collection" panose="020B0502040504020204" pitchFamily="34" charset="0"/>
+              </a:rPr>
+              <a:t>';</a:t>
+            </a:r>
+            <a:endParaRPr lang="es-ES" sz="1050" dirty="0">
+              <a:latin typeface="Sans Serif Collection" panose="020B0502040504020204" pitchFamily="34" charset="0"/>
+              <a:ea typeface="Sans Serif Collection" panose="020B0502040504020204" pitchFamily="34" charset="0"/>
+              <a:cs typeface="Sans Serif Collection" panose="020B0502040504020204" pitchFamily="34" charset="0"/>
+            </a:endParaRPr>
+          </a:p>
+        </p:txBody>
+      </p:sp>
+      <p:sp>
+        <p:nvSpPr>
+          <p:cNvPr id="11" name="Marcador de contenido 3">
+            <a:extLst>
+              <a:ext uri="{FF2B5EF4-FFF2-40B4-BE49-F238E27FC236}">
+                <a16:creationId xmlns:a16="http://schemas.microsoft.com/office/drawing/2014/main" id="{1DBC7BE9-6B79-2971-04BF-943307E0C505}"/>
+              </a:ext>
+            </a:extLst>
+          </p:cNvPr>
+          <p:cNvSpPr txBox="1">
+            <a:spLocks/>
+          </p:cNvSpPr>
+          <p:nvPr/>
+        </p:nvSpPr>
+        <p:spPr>
+          <a:xfrm>
+            <a:off x="4788024" y="2196064"/>
+            <a:ext cx="3439294" cy="426485"/>
+          </a:xfrm>
+          <a:prstGeom prst="rect">
+            <a:avLst/>
+          </a:prstGeom>
+        </p:spPr>
+        <p:txBody>
+          <a:bodyPr vert="horz" lIns="91440" tIns="45720" rIns="91440" bIns="45720" rtlCol="0">
+            <a:normAutofit/>
+          </a:bodyPr>
+          <a:lstStyle>
+            <a:lvl1pPr marL="228600" indent="-228600" algn="l" defTabSz="914400" rtl="0" eaLnBrk="1" latinLnBrk="0" hangingPunct="1">
+              <a:lnSpc>
+                <a:spcPct val="90000"/>
+              </a:lnSpc>
+              <a:spcBef>
+                <a:spcPts val="1000"/>
+              </a:spcBef>
+              <a:buFont typeface="Arial" panose="020B0604020202020204" pitchFamily="34" charset="0"/>
+              <a:buChar char="•"/>
+              <a:defRPr sz="2000" kern="1200">
+                <a:solidFill>
+                  <a:schemeClr val="tx1"/>
+                </a:solidFill>
+                <a:latin typeface="+mn-lt"/>
+                <a:ea typeface="+mn-ea"/>
+                <a:cs typeface="+mn-cs"/>
+              </a:defRPr>
+            </a:lvl1pPr>
+            <a:lvl2pPr marL="685800" indent="-228600" algn="l" defTabSz="914400" rtl="0" eaLnBrk="1" latinLnBrk="0" hangingPunct="1">
+              <a:lnSpc>
+                <a:spcPct val="90000"/>
+              </a:lnSpc>
+              <a:spcBef>
+                <a:spcPts val="500"/>
+              </a:spcBef>
+              <a:buFont typeface="Arial" panose="020B0604020202020204" pitchFamily="34" charset="0"/>
+              <a:buChar char="•"/>
+              <a:defRPr sz="1800" kern="1200">
+                <a:solidFill>
+                  <a:schemeClr val="tx1"/>
+                </a:solidFill>
+                <a:latin typeface="+mn-lt"/>
+                <a:ea typeface="+mn-ea"/>
+                <a:cs typeface="+mn-cs"/>
+              </a:defRPr>
+            </a:lvl2pPr>
+            <a:lvl3pPr marL="1143000" indent="-228600" algn="l" defTabSz="914400" rtl="0" eaLnBrk="1" latinLnBrk="0" hangingPunct="1">
+              <a:lnSpc>
+                <a:spcPct val="90000"/>
+              </a:lnSpc>
+              <a:spcBef>
+                <a:spcPts val="500"/>
+              </a:spcBef>
+              <a:buFont typeface="Arial" panose="020B0604020202020204" pitchFamily="34" charset="0"/>
+              <a:buChar char="•"/>
+              <a:defRPr sz="1600" kern="1200">
+                <a:solidFill>
+                  <a:schemeClr val="tx1"/>
+                </a:solidFill>
+                <a:latin typeface="+mn-lt"/>
+                <a:ea typeface="+mn-ea"/>
+                <a:cs typeface="+mn-cs"/>
+              </a:defRPr>
+            </a:lvl3pPr>
+            <a:lvl4pPr marL="1600200" indent="-228600" algn="l" defTabSz="914400" rtl="0" eaLnBrk="1" latinLnBrk="0" hangingPunct="1">
+              <a:lnSpc>
+                <a:spcPct val="90000"/>
+              </a:lnSpc>
+              <a:spcBef>
+                <a:spcPts val="500"/>
+              </a:spcBef>
+              <a:buFont typeface="Arial" panose="020B0604020202020204" pitchFamily="34" charset="0"/>
+              <a:buChar char="•"/>
+              <a:defRPr sz="1400" kern="1200">
+                <a:solidFill>
+                  <a:schemeClr val="tx1"/>
+                </a:solidFill>
+                <a:latin typeface="+mn-lt"/>
+                <a:ea typeface="+mn-ea"/>
+                <a:cs typeface="+mn-cs"/>
+              </a:defRPr>
+            </a:lvl4pPr>
+            <a:lvl5pPr marL="2057400" indent="-228600" algn="l" defTabSz="914400" rtl="0" eaLnBrk="1" latinLnBrk="0" hangingPunct="1">
+              <a:lnSpc>
+                <a:spcPct val="90000"/>
+              </a:lnSpc>
+              <a:spcBef>
+                <a:spcPts val="500"/>
+              </a:spcBef>
+              <a:buFont typeface="Arial" panose="020B0604020202020204" pitchFamily="34" charset="0"/>
+              <a:buChar char="•"/>
+              <a:defRPr sz="1200" kern="1200">
+                <a:solidFill>
+                  <a:schemeClr val="tx1"/>
+                </a:solidFill>
+                <a:latin typeface="+mn-lt"/>
+                <a:ea typeface="+mn-ea"/>
+                <a:cs typeface="+mn-cs"/>
+              </a:defRPr>
+            </a:lvl5pPr>
+            <a:lvl6pPr marL="2514600" indent="-228600" algn="l" defTabSz="914400" rtl="0" eaLnBrk="1" latinLnBrk="0" hangingPunct="1">
+              <a:lnSpc>
+                <a:spcPct val="90000"/>
+              </a:lnSpc>
+              <a:spcBef>
+                <a:spcPts val="500"/>
+              </a:spcBef>
+              <a:buFont typeface="Arial" panose="020B0604020202020204" pitchFamily="34" charset="0"/>
+              <a:buChar char="•"/>
+              <a:defRPr sz="1800" kern="1200">
+                <a:solidFill>
+                  <a:schemeClr val="tx1"/>
+                </a:solidFill>
+                <a:latin typeface="+mn-lt"/>
+                <a:ea typeface="+mn-ea"/>
+                <a:cs typeface="+mn-cs"/>
+              </a:defRPr>
+            </a:lvl6pPr>
+            <a:lvl7pPr marL="2971800" indent="-228600" algn="l" defTabSz="914400" rtl="0" eaLnBrk="1" latinLnBrk="0" hangingPunct="1">
+              <a:lnSpc>
+                <a:spcPct val="90000"/>
+              </a:lnSpc>
+              <a:spcBef>
+                <a:spcPts val="500"/>
+              </a:spcBef>
+              <a:buFont typeface="Arial" panose="020B0604020202020204" pitchFamily="34" charset="0"/>
+              <a:buChar char="•"/>
+              <a:defRPr sz="1800" kern="1200">
+                <a:solidFill>
+                  <a:schemeClr val="tx1"/>
+                </a:solidFill>
+                <a:latin typeface="+mn-lt"/>
+                <a:ea typeface="+mn-ea"/>
+                <a:cs typeface="+mn-cs"/>
+              </a:defRPr>
+            </a:lvl7pPr>
+            <a:lvl8pPr marL="3429000" indent="-228600" algn="l" defTabSz="914400" rtl="0" eaLnBrk="1" latinLnBrk="0" hangingPunct="1">
+              <a:lnSpc>
+                <a:spcPct val="90000"/>
+              </a:lnSpc>
+              <a:spcBef>
+                <a:spcPts val="500"/>
+              </a:spcBef>
+              <a:buFont typeface="Arial" panose="020B0604020202020204" pitchFamily="34" charset="0"/>
+              <a:buChar char="•"/>
+              <a:defRPr sz="1800" kern="1200">
+                <a:solidFill>
+                  <a:schemeClr val="tx1"/>
+                </a:solidFill>
+                <a:latin typeface="+mn-lt"/>
+                <a:ea typeface="+mn-ea"/>
+                <a:cs typeface="+mn-cs"/>
+              </a:defRPr>
+            </a:lvl8pPr>
+            <a:lvl9pPr marL="3886200" indent="-228600" algn="l" defTabSz="914400" rtl="0" eaLnBrk="1" latinLnBrk="0" hangingPunct="1">
+              <a:lnSpc>
+                <a:spcPct val="90000"/>
+              </a:lnSpc>
+              <a:spcBef>
+                <a:spcPts val="500"/>
+              </a:spcBef>
+              <a:buFont typeface="Arial" panose="020B0604020202020204" pitchFamily="34" charset="0"/>
+              <a:buChar char="•"/>
+              <a:defRPr sz="1800" kern="1200">
+                <a:solidFill>
+                  <a:schemeClr val="tx1"/>
+                </a:solidFill>
+                <a:latin typeface="+mn-lt"/>
+                <a:ea typeface="+mn-ea"/>
+                <a:cs typeface="+mn-cs"/>
+              </a:defRPr>
+            </a:lvl9pPr>
+          </a:lstStyle>
+          <a:p>
+            <a:pPr marL="0" indent="0">
+              <a:buFont typeface="Arial" panose="020B0604020202020204" pitchFamily="34" charset="0"/>
+              <a:buNone/>
+            </a:pPr>
+            <a:r>
+              <a:rPr lang="es-ES" sz="1200" b="1" dirty="0">
+                <a:latin typeface="Montserrat" panose="00000500000000000000" pitchFamily="2" charset="0"/>
+              </a:rPr>
+              <a:t>¿Qué usuarios leen de esta tabla?</a:t>
+            </a:r>
           </a:p>
         </p:txBody>
       </p:sp>
@@ -21120,7 +23894,7 @@
         <p:spPr>
           <a:xfrm>
             <a:off x="539552" y="1412776"/>
-            <a:ext cx="7886700" cy="4680520"/>
+            <a:ext cx="8136904" cy="4680520"/>
           </a:xfrm>
         </p:spPr>
         <p:txBody>
@@ -21165,7 +23939,7 @@
               <a:rPr lang="es-ES" dirty="0">
                 <a:latin typeface="Montserrat" panose="00000500000000000000" pitchFamily="2" charset="0"/>
               </a:rPr>
-              <a:t> &amp; Visualizar Modelo Relacional</a:t>
+              <a:t> &amp; Visualizar Modelo Relacional &amp; Uso de Genie</a:t>
             </a:r>
             <a:br>
               <a:rPr lang="es-ES" dirty="0">
@@ -21293,28 +24067,11 @@
               <a:rPr lang="es-ES" dirty="0">
                 <a:latin typeface="Montserrat" panose="00000500000000000000" pitchFamily="2" charset="0"/>
               </a:rPr>
-              <a:t>Uso de Genie</a:t>
-            </a:r>
-            <a:br>
-              <a:rPr lang="es-ES" dirty="0">
-                <a:latin typeface="Montserrat" panose="00000500000000000000" pitchFamily="2" charset="0"/>
-              </a:rPr>
-            </a:br>
-            <a:endParaRPr lang="es-ES" dirty="0">
+              <a:t>Quiz</a:t>
+            </a:r>
+            <a:endParaRPr lang="es-ES" sz="1600" dirty="0">
               <a:latin typeface="Montserrat" panose="00000500000000000000" pitchFamily="2" charset="0"/>
             </a:endParaRPr>
-          </a:p>
-          <a:p>
-            <a:pPr marL="800100" lvl="1" indent="-342900">
-              <a:buFont typeface="+mj-lt"/>
-              <a:buAutoNum type="arabicPeriod"/>
-            </a:pPr>
-            <a:r>
-              <a:rPr lang="es-ES" sz="1600" dirty="0">
-                <a:latin typeface="Montserrat" panose="00000500000000000000" pitchFamily="2" charset="0"/>
-              </a:rPr>
-              <a:t>Quiz</a:t>
-            </a:r>
           </a:p>
         </p:txBody>
       </p:sp>
@@ -29030,8 +31787,8 @@
         </p:nvSpPr>
         <p:spPr>
           <a:xfrm>
-            <a:off x="2483768" y="2537901"/>
-            <a:ext cx="4176464" cy="2246769"/>
+            <a:off x="2411760" y="1484784"/>
+            <a:ext cx="4176464" cy="3108543"/>
           </a:xfrm>
           <a:prstGeom prst="rect">
             <a:avLst/>
@@ -29089,6 +31846,30 @@
                 <a:latin typeface="Montserrat" panose="00000500000000000000" pitchFamily="2" charset="0"/>
               </a:rPr>
               <a:t>VISUALIZAR MODELO RELACIONAL</a:t>
+            </a:r>
+          </a:p>
+          <a:p>
+            <a:pPr algn="ctr"/>
+            <a:r>
+              <a:rPr lang="es-ES" sz="2800" dirty="0">
+                <a:solidFill>
+                  <a:schemeClr val="bg1"/>
+                </a:solidFill>
+                <a:latin typeface="Montserrat" panose="00000500000000000000" pitchFamily="2" charset="0"/>
+              </a:rPr>
+              <a:t>+</a:t>
+            </a:r>
+          </a:p>
+          <a:p>
+            <a:pPr algn="ctr"/>
+            <a:r>
+              <a:rPr lang="es-ES" sz="2800" dirty="0">
+                <a:solidFill>
+                  <a:schemeClr val="bg1"/>
+                </a:solidFill>
+                <a:latin typeface="Montserrat" panose="00000500000000000000" pitchFamily="2" charset="0"/>
+              </a:rPr>
+              <a:t>GENIE</a:t>
             </a:r>
           </a:p>
         </p:txBody>
@@ -30864,15 +33645,6 @@
 </file>
 
 <file path=customXml/item1.xml><?xml version="1.0" encoding="utf-8"?>
-<?mso-contentType ?>
-<FormTemplates xmlns="http://schemas.microsoft.com/sharepoint/v3/contenttype/forms">
-  <Display>DocumentLibraryForm</Display>
-  <Edit>DocumentLibraryForm</Edit>
-  <New>DocumentLibraryForm</New>
-</FormTemplates>
-</file>
-
-<file path=customXml/item2.xml><?xml version="1.0" encoding="utf-8"?>
 <ct:contentTypeSchema xmlns:ct="http://schemas.microsoft.com/office/2006/metadata/contentType" xmlns:ma="http://schemas.microsoft.com/office/2006/metadata/properties/metaAttributes" ct:_="" ma:_="" ma:contentTypeName="Documento" ma:contentTypeID="0x010100D61D317CF2309C4E8DA448EE42D88B65" ma:contentTypeVersion="14" ma:contentTypeDescription="Crear nuevo documento." ma:contentTypeScope="" ma:versionID="499295a40b32042ffc1aa18e52107fb2">
   <xsd:schema xmlns:xsd="http://www.w3.org/2001/XMLSchema" xmlns:xs="http://www.w3.org/2001/XMLSchema" xmlns:p="http://schemas.microsoft.com/office/2006/metadata/properties" xmlns:ns2="e24c3f89-b1e2-4b5c-81e1-9b07710f5189" xmlns:ns3="ce845bb0-6f82-4cf9-8b02-3916bb6268df" targetNamespace="http://schemas.microsoft.com/office/2006/metadata/properties" ma:root="true" ma:fieldsID="cacbbaa88dffef174e809ab62d2fa790" ns2:_="" ns3:_="">
     <xsd:import namespace="e24c3f89-b1e2-4b5c-81e1-9b07710f5189"/>
@@ -31101,6 +33873,15 @@
 </ct:contentTypeSchema>
 </file>
 
+<file path=customXml/item2.xml><?xml version="1.0" encoding="utf-8"?>
+<?mso-contentType ?>
+<FormTemplates xmlns="http://schemas.microsoft.com/sharepoint/v3/contenttype/forms">
+  <Display>DocumentLibraryForm</Display>
+  <Edit>DocumentLibraryForm</Edit>
+  <New>DocumentLibraryForm</New>
+</FormTemplates>
+</file>
+
 <file path=customXml/item3.xml><?xml version="1.0" encoding="utf-8"?>
 <p:properties xmlns:p="http://schemas.microsoft.com/office/2006/metadata/properties" xmlns:xsi="http://www.w3.org/2001/XMLSchema-instance" xmlns:pc="http://schemas.microsoft.com/office/infopath/2007/PartnerControls">
   <documentManagement>
@@ -31113,14 +33894,6 @@
 </file>
 
 <file path=customXml/itemProps1.xml><?xml version="1.0" encoding="utf-8"?>
-<ds:datastoreItem xmlns:ds="http://schemas.openxmlformats.org/officeDocument/2006/customXml" ds:itemID="{6FDDB250-E753-47E4-8ED1-CAC7AD183E6C}">
-  <ds:schemaRefs>
-    <ds:schemaRef ds:uri="http://schemas.microsoft.com/sharepoint/v3/contenttype/forms"/>
-  </ds:schemaRefs>
-</ds:datastoreItem>
-</file>
-
-<file path=customXml/itemProps2.xml><?xml version="1.0" encoding="utf-8"?>
 <ds:datastoreItem xmlns:ds="http://schemas.openxmlformats.org/officeDocument/2006/customXml" ds:itemID="{D57BF0C9-4CDD-43A3-8A95-A49D62C2F2E1}">
   <ds:schemaRefs>
     <ds:schemaRef ds:uri="http://schemas.microsoft.com/office/2006/metadata/contentType"/>
@@ -31139,6 +33912,14 @@
 </ds:datastoreItem>
 </file>
 
+<file path=customXml/itemProps2.xml><?xml version="1.0" encoding="utf-8"?>
+<ds:datastoreItem xmlns:ds="http://schemas.openxmlformats.org/officeDocument/2006/customXml" ds:itemID="{6FDDB250-E753-47E4-8ED1-CAC7AD183E6C}">
+  <ds:schemaRefs>
+    <ds:schemaRef ds:uri="http://schemas.microsoft.com/sharepoint/v3/contenttype/forms"/>
+  </ds:schemaRefs>
+</ds:datastoreItem>
+</file>
+
 <file path=customXml/itemProps3.xml><?xml version="1.0" encoding="utf-8"?>
 <ds:datastoreItem xmlns:ds="http://schemas.openxmlformats.org/officeDocument/2006/customXml" ds:itemID="{4A79858A-5E67-489D-9BB4-CD604D981F2A}">
   <ds:schemaRefs>
